--- a/Presentation1.pptx
+++ b/Presentation1.pptx
@@ -3672,7 +3672,7 @@
         <p:spPr/>
         <p:txBody>
           <a:bodyPr>
-            <a:normAutofit fontScale="77500" lnSpcReduction="20000"/>
+            <a:noAutofit/>
           </a:bodyPr>
           <a:lstStyle/>
           <a:p>
@@ -3732,7 +3732,19 @@
             </a:r>
             <a:r>
               <a:rPr lang="en-US" dirty="0"/>
-              <a:t>, Andrew Bell, Joel Sprinkle, Karen Lin, Kevin Burr, Paul Leroux</a:t>
+              <a:t>, Andrew Bell, Joel Sprinkle, Karen Lin, Kevin Burr</a:t>
+            </a:r>
+          </a:p>
+          <a:p>
+            <a:r>
+              <a:rPr lang="en-US" dirty="0"/>
+              <a:t>Client:</a:t>
+            </a:r>
+          </a:p>
+          <a:p>
+            <a:r>
+              <a:rPr lang="en-US" dirty="0"/>
+              <a:t>Paul Leroux</a:t>
             </a:r>
           </a:p>
         </p:txBody>
@@ -4236,9 +4248,14 @@
               <a:t>DEMO URL:  </a:t>
             </a:r>
             <a:r>
-              <a:rPr lang="en-US" dirty="0"/>
+              <a:rPr lang="en-US" dirty="0">
+                <a:hlinkClick r:id="rId2"/>
+              </a:rPr>
               <a:t>http://54.237.239.59/</a:t>
             </a:r>
+            <a:endParaRPr lang="en-US" dirty="0"/>
+          </a:p>
+          <a:p>
             <a:endParaRPr lang="en-US" dirty="0"/>
           </a:p>
         </p:txBody>
@@ -4323,8 +4340,8 @@
         </p:blipFill>
         <p:spPr bwMode="auto">
           <a:xfrm>
-            <a:off x="3953404" y="2016125"/>
-            <a:ext cx="4599517" cy="3449638"/>
+            <a:off x="2994991" y="1936611"/>
+            <a:ext cx="5557931" cy="4168448"/>
           </a:xfrm>
           <a:prstGeom prst="rect">
             <a:avLst/>
@@ -4388,33 +4405,53 @@
           <a:p>
             <a:r>
               <a:rPr lang="en-US" dirty="0"/>
-              <a:t>Demo</a:t>
-            </a:r>
-          </a:p>
-        </p:txBody>
-      </p:sp>
-      <p:sp>
-        <p:nvSpPr>
-          <p:cNvPr id="3" name="Content Placeholder 2"/>
-          <p:cNvSpPr>
-            <a:spLocks noGrp="1"/>
-          </p:cNvSpPr>
+              <a:t>Patient Dashboard</a:t>
+            </a:r>
+          </a:p>
+        </p:txBody>
+      </p:sp>
+      <p:pic>
+        <p:nvPicPr>
+          <p:cNvPr id="5" name="Content Placeholder 4"/>
+          <p:cNvPicPr>
+            <a:picLocks noGrp="1" noChangeAspect="1"/>
+          </p:cNvPicPr>
           <p:nvPr>
             <p:ph idx="1"/>
           </p:nvPr>
-        </p:nvSpPr>
-        <p:spPr/>
-        <p:txBody>
-          <a:bodyPr/>
-          <a:lstStyle/>
-          <a:p>
-            <a:r>
-              <a:rPr lang="en-US" dirty="0"/>
-              <a:t>Patient Dashboard</a:t>
-            </a:r>
-          </a:p>
-        </p:txBody>
-      </p:sp>
+        </p:nvPicPr>
+        <p:blipFill>
+          <a:blip r:embed="rId2">
+            <a:extLst>
+              <a:ext uri="{28A0092B-C50C-407E-A947-70E740481C1C}">
+                <a14:useLocalDpi xmlns:a14="http://schemas.microsoft.com/office/drawing/2010/main" val="0"/>
+              </a:ext>
+            </a:extLst>
+          </a:blip>
+          <a:stretch>
+            <a:fillRect/>
+          </a:stretch>
+        </p:blipFill>
+        <p:spPr bwMode="auto">
+          <a:xfrm>
+            <a:off x="1451579" y="1967940"/>
+            <a:ext cx="9603275" cy="4048547"/>
+          </a:xfrm>
+          <a:prstGeom prst="rect">
+            <a:avLst/>
+          </a:prstGeom>
+          <a:noFill/>
+          <a:extLst>
+            <a:ext uri="{909E8E84-426E-40DD-AFC4-6F175D3DCCD1}">
+              <a14:hiddenFill xmlns:a14="http://schemas.microsoft.com/office/drawing/2010/main">
+                <a:solidFill>
+                  <a:srgbClr val="FFFFFF"/>
+                </a:solidFill>
+              </a14:hiddenFill>
+            </a:ext>
+          </a:extLst>
+        </p:spPr>
+      </p:pic>
     </p:spTree>
     <p:extLst>
       <p:ext uri="{BB962C8B-B14F-4D97-AF65-F5344CB8AC3E}">
@@ -5012,10 +5049,15 @@
             <a:spLocks noGrp="1"/>
           </p:cNvSpPr>
           <p:nvPr>
-            <p:ph type="title"/>
-          </p:nvPr>
-        </p:nvSpPr>
-        <p:spPr/>
+            <p:ph type="title" idx="4294967295"/>
+          </p:nvPr>
+        </p:nvSpPr>
+        <p:spPr>
+          <a:xfrm>
+            <a:off x="2587625" y="804863"/>
+            <a:ext cx="9604375" cy="1049337"/>
+          </a:xfrm>
+        </p:spPr>
         <p:txBody>
           <a:bodyPr/>
           <a:lstStyle/>
@@ -5034,7 +5076,7 @@
             <a:picLocks noGrp="1" noChangeAspect="1"/>
           </p:cNvPicPr>
           <p:nvPr>
-            <p:ph idx="1"/>
+            <p:ph idx="4294967295"/>
           </p:nvPr>
         </p:nvPicPr>
         <p:blipFill>
@@ -5045,8 +5087,8 @@
         </p:blipFill>
         <p:spPr>
           <a:xfrm>
-            <a:off x="4164411" y="2307225"/>
-            <a:ext cx="4177503" cy="2867438"/>
+            <a:off x="344557" y="1329531"/>
+            <a:ext cx="11489633" cy="4797425"/>
           </a:xfrm>
           <a:prstGeom prst="rect">
             <a:avLst/>

--- a/Presentation1.pptx
+++ b/Presentation1.pptx
@@ -8,22 +8,23 @@
     <p:sldId id="256" r:id="rId2"/>
     <p:sldId id="257" r:id="rId3"/>
     <p:sldId id="260" r:id="rId4"/>
-    <p:sldId id="259" r:id="rId5"/>
-    <p:sldId id="261" r:id="rId6"/>
-    <p:sldId id="262" r:id="rId7"/>
-    <p:sldId id="274" r:id="rId8"/>
-    <p:sldId id="263" r:id="rId9"/>
-    <p:sldId id="265" r:id="rId10"/>
-    <p:sldId id="266" r:id="rId11"/>
-    <p:sldId id="267" r:id="rId12"/>
-    <p:sldId id="268" r:id="rId13"/>
-    <p:sldId id="269" r:id="rId14"/>
-    <p:sldId id="258" r:id="rId15"/>
-    <p:sldId id="270" r:id="rId16"/>
-    <p:sldId id="271" r:id="rId17"/>
-    <p:sldId id="275" r:id="rId18"/>
-    <p:sldId id="273" r:id="rId19"/>
-    <p:sldId id="272" r:id="rId20"/>
+    <p:sldId id="263" r:id="rId5"/>
+    <p:sldId id="265" r:id="rId6"/>
+    <p:sldId id="266" r:id="rId7"/>
+    <p:sldId id="267" r:id="rId8"/>
+    <p:sldId id="268" r:id="rId9"/>
+    <p:sldId id="269" r:id="rId10"/>
+    <p:sldId id="258" r:id="rId11"/>
+    <p:sldId id="270" r:id="rId12"/>
+    <p:sldId id="271" r:id="rId13"/>
+    <p:sldId id="275" r:id="rId14"/>
+    <p:sldId id="273" r:id="rId15"/>
+    <p:sldId id="272" r:id="rId16"/>
+    <p:sldId id="276" r:id="rId17"/>
+    <p:sldId id="277" r:id="rId18"/>
+    <p:sldId id="278" r:id="rId19"/>
+    <p:sldId id="279" r:id="rId20"/>
+    <p:sldId id="280" r:id="rId21"/>
   </p:sldIdLst>
   <p:sldSz cx="12192000" cy="6858000"/>
   <p:notesSz cx="6858000" cy="9144000"/>
@@ -122,6 +123,11 @@
       </a:defRPr>
     </a:lvl9pPr>
   </p:defaultTextStyle>
+  <p:extLst>
+    <p:ext uri="{EFAFB233-063F-42B5-8137-9DF3F51BA10A}">
+      <p15:sldGuideLst xmlns:p15="http://schemas.microsoft.com/office/powerpoint/2012/main"/>
+    </p:ext>
+  </p:extLst>
 </p:presentation>
 </file>
 
@@ -264,7 +270,7 @@
           <a:p>
             <a:fld id="{9CBDC807-B601-49C5-B3CA-EB5D165DA57B}" type="datetimeFigureOut">
               <a:rPr lang="en-US" smtClean="0"/>
-              <a:t>3/25/2017</a:t>
+              <a:t>3/26/2017</a:t>
             </a:fld>
             <a:endParaRPr lang="en-US"/>
           </a:p>
@@ -475,7 +481,7 @@
           <a:p>
             <a:fld id="{9CBDC807-B601-49C5-B3CA-EB5D165DA57B}" type="datetimeFigureOut">
               <a:rPr lang="en-US" smtClean="0"/>
-              <a:t>3/25/2017</a:t>
+              <a:t>3/26/2017</a:t>
             </a:fld>
             <a:endParaRPr lang="en-US"/>
           </a:p>
@@ -690,7 +696,7 @@
           <a:p>
             <a:fld id="{9CBDC807-B601-49C5-B3CA-EB5D165DA57B}" type="datetimeFigureOut">
               <a:rPr lang="en-US" smtClean="0"/>
-              <a:t>3/25/2017</a:t>
+              <a:t>3/26/2017</a:t>
             </a:fld>
             <a:endParaRPr lang="en-US"/>
           </a:p>
@@ -891,7 +897,7 @@
           <a:p>
             <a:fld id="{9CBDC807-B601-49C5-B3CA-EB5D165DA57B}" type="datetimeFigureOut">
               <a:rPr lang="en-US" smtClean="0"/>
-              <a:t>3/25/2017</a:t>
+              <a:t>3/26/2017</a:t>
             </a:fld>
             <a:endParaRPr lang="en-US"/>
           </a:p>
@@ -1170,7 +1176,7 @@
           <a:p>
             <a:fld id="{9CBDC807-B601-49C5-B3CA-EB5D165DA57B}" type="datetimeFigureOut">
               <a:rPr lang="en-US" smtClean="0"/>
-              <a:t>3/25/2017</a:t>
+              <a:t>3/26/2017</a:t>
             </a:fld>
             <a:endParaRPr lang="en-US"/>
           </a:p>
@@ -1438,7 +1444,7 @@
           <a:p>
             <a:fld id="{9CBDC807-B601-49C5-B3CA-EB5D165DA57B}" type="datetimeFigureOut">
               <a:rPr lang="en-US" smtClean="0"/>
-              <a:t>3/25/2017</a:t>
+              <a:t>3/26/2017</a:t>
             </a:fld>
             <a:endParaRPr lang="en-US"/>
           </a:p>
@@ -1854,7 +1860,7 @@
           <a:p>
             <a:fld id="{9CBDC807-B601-49C5-B3CA-EB5D165DA57B}" type="datetimeFigureOut">
               <a:rPr lang="en-US" smtClean="0"/>
-              <a:t>3/25/2017</a:t>
+              <a:t>3/26/2017</a:t>
             </a:fld>
             <a:endParaRPr lang="en-US"/>
           </a:p>
@@ -2003,7 +2009,7 @@
           <a:p>
             <a:fld id="{9CBDC807-B601-49C5-B3CA-EB5D165DA57B}" type="datetimeFigureOut">
               <a:rPr lang="en-US" smtClean="0"/>
-              <a:t>3/25/2017</a:t>
+              <a:t>3/26/2017</a:t>
             </a:fld>
             <a:endParaRPr lang="en-US"/>
           </a:p>
@@ -2129,7 +2135,7 @@
           <a:p>
             <a:fld id="{9CBDC807-B601-49C5-B3CA-EB5D165DA57B}" type="datetimeFigureOut">
               <a:rPr lang="en-US" smtClean="0"/>
-              <a:t>3/25/2017</a:t>
+              <a:t>3/26/2017</a:t>
             </a:fld>
             <a:endParaRPr lang="en-US"/>
           </a:p>
@@ -2380,7 +2386,7 @@
           <a:p>
             <a:fld id="{9CBDC807-B601-49C5-B3CA-EB5D165DA57B}" type="datetimeFigureOut">
               <a:rPr lang="en-US" smtClean="0"/>
-              <a:t>3/25/2017</a:t>
+              <a:t>3/26/2017</a:t>
             </a:fld>
             <a:endParaRPr lang="en-US"/>
           </a:p>
@@ -2825,7 +2831,7 @@
           <a:p>
             <a:fld id="{9CBDC807-B601-49C5-B3CA-EB5D165DA57B}" type="datetimeFigureOut">
               <a:rPr lang="en-US" smtClean="0"/>
-              <a:t>3/25/2017</a:t>
+              <a:t>3/26/2017</a:t>
             </a:fld>
             <a:endParaRPr lang="en-US"/>
           </a:p>
@@ -3151,7 +3157,7 @@
           <a:p>
             <a:fld id="{9CBDC807-B601-49C5-B3CA-EB5D165DA57B}" type="datetimeFigureOut">
               <a:rPr lang="en-US" smtClean="0"/>
-              <a:t>3/25/2017</a:t>
+              <a:t>3/26/2017</a:t>
             </a:fld>
             <a:endParaRPr lang="en-US"/>
           </a:p>
@@ -3779,6 +3785,1254 @@
           <a:chExt cx="0" cy="0"/>
         </a:xfrm>
       </p:grpSpPr>
+      <p:sp>
+        <p:nvSpPr>
+          <p:cNvPr id="2" name="Title 1"/>
+          <p:cNvSpPr>
+            <a:spLocks noGrp="1"/>
+          </p:cNvSpPr>
+          <p:nvPr>
+            <p:ph type="title"/>
+          </p:nvPr>
+        </p:nvSpPr>
+        <p:spPr/>
+        <p:txBody>
+          <a:bodyPr/>
+          <a:lstStyle/>
+          <a:p>
+            <a:r>
+              <a:rPr lang="en-US" dirty="0"/>
+              <a:t>Technology</a:t>
+            </a:r>
+          </a:p>
+        </p:txBody>
+      </p:sp>
+      <p:sp>
+        <p:nvSpPr>
+          <p:cNvPr id="3" name="Content Placeholder 2"/>
+          <p:cNvSpPr>
+            <a:spLocks noGrp="1"/>
+          </p:cNvSpPr>
+          <p:nvPr>
+            <p:ph idx="1"/>
+          </p:nvPr>
+        </p:nvSpPr>
+        <p:spPr/>
+        <p:txBody>
+          <a:bodyPr/>
+          <a:lstStyle/>
+          <a:p>
+            <a:r>
+              <a:rPr lang="en-US" dirty="0"/>
+              <a:t>Database - MySQL</a:t>
+            </a:r>
+          </a:p>
+          <a:p>
+            <a:r>
+              <a:rPr lang="en-US" dirty="0"/>
+              <a:t>GUI Design – Sketch App</a:t>
+            </a:r>
+          </a:p>
+          <a:p>
+            <a:r>
+              <a:rPr lang="en-US" dirty="0"/>
+              <a:t>Webserver - Amazon Web Service  </a:t>
+            </a:r>
+          </a:p>
+          <a:p>
+            <a:r>
+              <a:rPr lang="en-US" dirty="0"/>
+              <a:t>Dynamic HTML - Node Java Script</a:t>
+            </a:r>
+          </a:p>
+          <a:p>
+            <a:r>
+              <a:rPr lang="en-US" dirty="0"/>
+              <a:t>Zang - Notification Engine</a:t>
+            </a:r>
+          </a:p>
+          <a:p>
+            <a:r>
+              <a:rPr lang="en-US" dirty="0" err="1"/>
+              <a:t>IoT</a:t>
+            </a:r>
+            <a:r>
+              <a:rPr lang="en-US" dirty="0"/>
+              <a:t> - Arduino Micro Controller</a:t>
+            </a:r>
+          </a:p>
+        </p:txBody>
+      </p:sp>
+    </p:spTree>
+    <p:extLst>
+      <p:ext uri="{BB962C8B-B14F-4D97-AF65-F5344CB8AC3E}">
+        <p14:creationId xmlns:p14="http://schemas.microsoft.com/office/powerpoint/2010/main" val="253336704"/>
+      </p:ext>
+    </p:extLst>
+  </p:cSld>
+  <p:clrMapOvr>
+    <a:masterClrMapping/>
+  </p:clrMapOvr>
+</p:sld>
+</file>
+
+<file path=ppt/slides/slide11.xml><?xml version="1.0" encoding="utf-8"?>
+<p:sld xmlns:a="http://schemas.openxmlformats.org/drawingml/2006/main" xmlns:r="http://schemas.openxmlformats.org/officeDocument/2006/relationships" xmlns:p="http://schemas.openxmlformats.org/presentationml/2006/main">
+  <p:cSld>
+    <p:spTree>
+      <p:nvGrpSpPr>
+        <p:cNvPr id="1" name=""/>
+        <p:cNvGrpSpPr/>
+        <p:nvPr/>
+      </p:nvGrpSpPr>
+      <p:grpSpPr>
+        <a:xfrm>
+          <a:off x="0" y="0"/>
+          <a:ext cx="0" cy="0"/>
+          <a:chOff x="0" y="0"/>
+          <a:chExt cx="0" cy="0"/>
+        </a:xfrm>
+      </p:grpSpPr>
+      <p:sp>
+        <p:nvSpPr>
+          <p:cNvPr id="2" name="Content Placeholder 1"/>
+          <p:cNvSpPr>
+            <a:spLocks noGrp="1"/>
+          </p:cNvSpPr>
+          <p:nvPr>
+            <p:ph idx="1"/>
+          </p:nvPr>
+        </p:nvSpPr>
+        <p:spPr/>
+        <p:txBody>
+          <a:bodyPr/>
+          <a:lstStyle/>
+          <a:p>
+            <a:endParaRPr lang="en-US"/>
+          </a:p>
+        </p:txBody>
+      </p:sp>
+      <p:pic>
+        <p:nvPicPr>
+          <p:cNvPr id="3" name="Picture 2" descr="https://raw.githubusercontent.com/pau1ypau1/vitamin-Zang/master/new_wireframe.png"/>
+          <p:cNvPicPr>
+            <a:picLocks noChangeAspect="1" noChangeArrowheads="1"/>
+          </p:cNvPicPr>
+          <p:nvPr/>
+        </p:nvPicPr>
+        <p:blipFill>
+          <a:blip r:embed="rId2">
+            <a:extLst>
+              <a:ext uri="{28A0092B-C50C-407E-A947-70E740481C1C}">
+                <a14:useLocalDpi xmlns:a14="http://schemas.microsoft.com/office/drawing/2010/main" val="0"/>
+              </a:ext>
+            </a:extLst>
+          </a:blip>
+          <a:srcRect/>
+          <a:stretch>
+            <a:fillRect/>
+          </a:stretch>
+        </p:blipFill>
+        <p:spPr bwMode="auto">
+          <a:xfrm>
+            <a:off x="0" y="0"/>
+            <a:ext cx="12191999" cy="6858000"/>
+          </a:xfrm>
+          <a:prstGeom prst="rect">
+            <a:avLst/>
+          </a:prstGeom>
+          <a:noFill/>
+          <a:extLst>
+            <a:ext uri="{909E8E84-426E-40DD-AFC4-6F175D3DCCD1}">
+              <a14:hiddenFill xmlns:a14="http://schemas.microsoft.com/office/drawing/2010/main">
+                <a:solidFill>
+                  <a:srgbClr val="FFFFFF"/>
+                </a:solidFill>
+              </a14:hiddenFill>
+            </a:ext>
+          </a:extLst>
+        </p:spPr>
+      </p:pic>
+    </p:spTree>
+    <p:extLst>
+      <p:ext uri="{BB962C8B-B14F-4D97-AF65-F5344CB8AC3E}">
+        <p14:creationId xmlns:p14="http://schemas.microsoft.com/office/powerpoint/2010/main" val="4101601141"/>
+      </p:ext>
+    </p:extLst>
+  </p:cSld>
+  <p:clrMapOvr>
+    <a:masterClrMapping/>
+  </p:clrMapOvr>
+</p:sld>
+</file>
+
+<file path=ppt/slides/slide12.xml><?xml version="1.0" encoding="utf-8"?>
+<p:sld xmlns:a="http://schemas.openxmlformats.org/drawingml/2006/main" xmlns:r="http://schemas.openxmlformats.org/officeDocument/2006/relationships" xmlns:p="http://schemas.openxmlformats.org/presentationml/2006/main">
+  <p:cSld>
+    <p:spTree>
+      <p:nvGrpSpPr>
+        <p:cNvPr id="1" name=""/>
+        <p:cNvGrpSpPr/>
+        <p:nvPr/>
+      </p:nvGrpSpPr>
+      <p:grpSpPr>
+        <a:xfrm>
+          <a:off x="0" y="0"/>
+          <a:ext cx="0" cy="0"/>
+          <a:chOff x="0" y="0"/>
+          <a:chExt cx="0" cy="0"/>
+        </a:xfrm>
+      </p:grpSpPr>
+      <p:sp>
+        <p:nvSpPr>
+          <p:cNvPr id="2" name="Title 1"/>
+          <p:cNvSpPr>
+            <a:spLocks noGrp="1"/>
+          </p:cNvSpPr>
+          <p:nvPr>
+            <p:ph type="title"/>
+          </p:nvPr>
+        </p:nvSpPr>
+        <p:spPr/>
+        <p:txBody>
+          <a:bodyPr/>
+          <a:lstStyle/>
+          <a:p>
+            <a:r>
+              <a:rPr lang="en-US" dirty="0"/>
+              <a:t>Demo</a:t>
+            </a:r>
+          </a:p>
+        </p:txBody>
+      </p:sp>
+      <p:sp>
+        <p:nvSpPr>
+          <p:cNvPr id="3" name="Content Placeholder 2"/>
+          <p:cNvSpPr>
+            <a:spLocks noGrp="1"/>
+          </p:cNvSpPr>
+          <p:nvPr>
+            <p:ph idx="1"/>
+          </p:nvPr>
+        </p:nvSpPr>
+        <p:spPr/>
+        <p:txBody>
+          <a:bodyPr/>
+          <a:lstStyle/>
+          <a:p>
+            <a:r>
+              <a:rPr lang="en-US" dirty="0"/>
+              <a:t>Nurse Dashboard</a:t>
+            </a:r>
+          </a:p>
+          <a:p>
+            <a:r>
+              <a:rPr lang="en-US" dirty="0"/>
+              <a:t>DEMO URL:  </a:t>
+            </a:r>
+            <a:r>
+              <a:rPr lang="en-US" dirty="0">
+                <a:hlinkClick r:id="rId2"/>
+              </a:rPr>
+              <a:t>http://54.237.239.59/</a:t>
+            </a:r>
+            <a:endParaRPr lang="en-US" dirty="0"/>
+          </a:p>
+          <a:p>
+            <a:endParaRPr lang="en-US" dirty="0"/>
+          </a:p>
+        </p:txBody>
+      </p:sp>
+    </p:spTree>
+    <p:extLst>
+      <p:ext uri="{BB962C8B-B14F-4D97-AF65-F5344CB8AC3E}">
+        <p14:creationId xmlns:p14="http://schemas.microsoft.com/office/powerpoint/2010/main" val="664315609"/>
+      </p:ext>
+    </p:extLst>
+  </p:cSld>
+  <p:clrMapOvr>
+    <a:masterClrMapping/>
+  </p:clrMapOvr>
+</p:sld>
+</file>
+
+<file path=ppt/slides/slide13.xml><?xml version="1.0" encoding="utf-8"?>
+<p:sld xmlns:a="http://schemas.openxmlformats.org/drawingml/2006/main" xmlns:r="http://schemas.openxmlformats.org/officeDocument/2006/relationships" xmlns:p="http://schemas.openxmlformats.org/presentationml/2006/main">
+  <p:cSld>
+    <p:spTree>
+      <p:nvGrpSpPr>
+        <p:cNvPr id="1" name=""/>
+        <p:cNvGrpSpPr/>
+        <p:nvPr/>
+      </p:nvGrpSpPr>
+      <p:grpSpPr>
+        <a:xfrm>
+          <a:off x="0" y="0"/>
+          <a:ext cx="0" cy="0"/>
+          <a:chOff x="0" y="0"/>
+          <a:chExt cx="0" cy="0"/>
+        </a:xfrm>
+      </p:grpSpPr>
+      <p:sp>
+        <p:nvSpPr>
+          <p:cNvPr id="2" name="Title 1"/>
+          <p:cNvSpPr>
+            <a:spLocks noGrp="1"/>
+          </p:cNvSpPr>
+          <p:nvPr>
+            <p:ph type="title"/>
+          </p:nvPr>
+        </p:nvSpPr>
+        <p:spPr/>
+        <p:txBody>
+          <a:bodyPr/>
+          <a:lstStyle/>
+          <a:p>
+            <a:r>
+              <a:rPr lang="en-US" dirty="0" err="1"/>
+              <a:t>IoT</a:t>
+            </a:r>
+            <a:r>
+              <a:rPr lang="en-US" dirty="0"/>
+              <a:t> - Demo</a:t>
+            </a:r>
+          </a:p>
+        </p:txBody>
+      </p:sp>
+      <p:pic>
+        <p:nvPicPr>
+          <p:cNvPr id="7" name="Content Placeholder 6"/>
+          <p:cNvPicPr>
+            <a:picLocks noGrp="1" noChangeAspect="1"/>
+          </p:cNvPicPr>
+          <p:nvPr>
+            <p:ph idx="1"/>
+          </p:nvPr>
+        </p:nvPicPr>
+        <p:blipFill>
+          <a:blip r:embed="rId2">
+            <a:extLst>
+              <a:ext uri="{28A0092B-C50C-407E-A947-70E740481C1C}">
+                <a14:useLocalDpi xmlns:a14="http://schemas.microsoft.com/office/drawing/2010/main" val="0"/>
+              </a:ext>
+            </a:extLst>
+          </a:blip>
+          <a:stretch>
+            <a:fillRect/>
+          </a:stretch>
+        </p:blipFill>
+        <p:spPr bwMode="auto">
+          <a:xfrm>
+            <a:off x="2994991" y="1936611"/>
+            <a:ext cx="5557931" cy="4168448"/>
+          </a:xfrm>
+          <a:prstGeom prst="rect">
+            <a:avLst/>
+          </a:prstGeom>
+          <a:noFill/>
+          <a:extLst>
+            <a:ext uri="{909E8E84-426E-40DD-AFC4-6F175D3DCCD1}">
+              <a14:hiddenFill xmlns:a14="http://schemas.microsoft.com/office/drawing/2010/main">
+                <a:solidFill>
+                  <a:srgbClr val="FFFFFF"/>
+                </a:solidFill>
+              </a14:hiddenFill>
+            </a:ext>
+          </a:extLst>
+        </p:spPr>
+      </p:pic>
+    </p:spTree>
+    <p:extLst>
+      <p:ext uri="{BB962C8B-B14F-4D97-AF65-F5344CB8AC3E}">
+        <p14:creationId xmlns:p14="http://schemas.microsoft.com/office/powerpoint/2010/main" val="1442972184"/>
+      </p:ext>
+    </p:extLst>
+  </p:cSld>
+  <p:clrMapOvr>
+    <a:masterClrMapping/>
+  </p:clrMapOvr>
+</p:sld>
+</file>
+
+<file path=ppt/slides/slide14.xml><?xml version="1.0" encoding="utf-8"?>
+<p:sld xmlns:a="http://schemas.openxmlformats.org/drawingml/2006/main" xmlns:r="http://schemas.openxmlformats.org/officeDocument/2006/relationships" xmlns:p="http://schemas.openxmlformats.org/presentationml/2006/main">
+  <p:cSld>
+    <p:spTree>
+      <p:nvGrpSpPr>
+        <p:cNvPr id="1" name=""/>
+        <p:cNvGrpSpPr/>
+        <p:nvPr/>
+      </p:nvGrpSpPr>
+      <p:grpSpPr>
+        <a:xfrm>
+          <a:off x="0" y="0"/>
+          <a:ext cx="0" cy="0"/>
+          <a:chOff x="0" y="0"/>
+          <a:chExt cx="0" cy="0"/>
+        </a:xfrm>
+      </p:grpSpPr>
+      <p:sp>
+        <p:nvSpPr>
+          <p:cNvPr id="2" name="Title 1"/>
+          <p:cNvSpPr>
+            <a:spLocks noGrp="1"/>
+          </p:cNvSpPr>
+          <p:nvPr>
+            <p:ph type="title"/>
+          </p:nvPr>
+        </p:nvSpPr>
+        <p:spPr/>
+        <p:txBody>
+          <a:bodyPr/>
+          <a:lstStyle/>
+          <a:p>
+            <a:r>
+              <a:rPr lang="en-US" dirty="0"/>
+              <a:t>Patient Dashboard</a:t>
+            </a:r>
+          </a:p>
+        </p:txBody>
+      </p:sp>
+      <p:pic>
+        <p:nvPicPr>
+          <p:cNvPr id="5" name="Content Placeholder 4"/>
+          <p:cNvPicPr>
+            <a:picLocks noGrp="1" noChangeAspect="1"/>
+          </p:cNvPicPr>
+          <p:nvPr>
+            <p:ph idx="1"/>
+          </p:nvPr>
+        </p:nvPicPr>
+        <p:blipFill>
+          <a:blip r:embed="rId2">
+            <a:extLst>
+              <a:ext uri="{28A0092B-C50C-407E-A947-70E740481C1C}">
+                <a14:useLocalDpi xmlns:a14="http://schemas.microsoft.com/office/drawing/2010/main" val="0"/>
+              </a:ext>
+            </a:extLst>
+          </a:blip>
+          <a:stretch>
+            <a:fillRect/>
+          </a:stretch>
+        </p:blipFill>
+        <p:spPr bwMode="auto">
+          <a:xfrm>
+            <a:off x="1451579" y="1967940"/>
+            <a:ext cx="9603275" cy="4048547"/>
+          </a:xfrm>
+          <a:prstGeom prst="rect">
+            <a:avLst/>
+          </a:prstGeom>
+          <a:noFill/>
+          <a:extLst>
+            <a:ext uri="{909E8E84-426E-40DD-AFC4-6F175D3DCCD1}">
+              <a14:hiddenFill xmlns:a14="http://schemas.microsoft.com/office/drawing/2010/main">
+                <a:solidFill>
+                  <a:srgbClr val="FFFFFF"/>
+                </a:solidFill>
+              </a14:hiddenFill>
+            </a:ext>
+          </a:extLst>
+        </p:spPr>
+      </p:pic>
+    </p:spTree>
+    <p:extLst>
+      <p:ext uri="{BB962C8B-B14F-4D97-AF65-F5344CB8AC3E}">
+        <p14:creationId xmlns:p14="http://schemas.microsoft.com/office/powerpoint/2010/main" val="2661753136"/>
+      </p:ext>
+    </p:extLst>
+  </p:cSld>
+  <p:clrMapOvr>
+    <a:masterClrMapping/>
+  </p:clrMapOvr>
+</p:sld>
+</file>
+
+<file path=ppt/slides/slide15.xml><?xml version="1.0" encoding="utf-8"?>
+<p:sld xmlns:a="http://schemas.openxmlformats.org/drawingml/2006/main" xmlns:r="http://schemas.openxmlformats.org/officeDocument/2006/relationships" xmlns:p="http://schemas.openxmlformats.org/presentationml/2006/main">
+  <p:cSld>
+    <p:spTree>
+      <p:nvGrpSpPr>
+        <p:cNvPr id="1" name=""/>
+        <p:cNvGrpSpPr/>
+        <p:nvPr/>
+      </p:nvGrpSpPr>
+      <p:grpSpPr>
+        <a:xfrm>
+          <a:off x="0" y="0"/>
+          <a:ext cx="0" cy="0"/>
+          <a:chOff x="0" y="0"/>
+          <a:chExt cx="0" cy="0"/>
+        </a:xfrm>
+      </p:grpSpPr>
+      <p:sp>
+        <p:nvSpPr>
+          <p:cNvPr id="2" name="Title 1"/>
+          <p:cNvSpPr>
+            <a:spLocks noGrp="1"/>
+          </p:cNvSpPr>
+          <p:nvPr>
+            <p:ph type="title"/>
+          </p:nvPr>
+        </p:nvSpPr>
+        <p:spPr/>
+        <p:txBody>
+          <a:bodyPr/>
+          <a:lstStyle/>
+          <a:p>
+            <a:r>
+              <a:rPr lang="en-US" dirty="0"/>
+              <a:t>Q &amp; A</a:t>
+            </a:r>
+          </a:p>
+        </p:txBody>
+      </p:sp>
+      <p:pic>
+        <p:nvPicPr>
+          <p:cNvPr id="2056" name="Picture 8" descr="Image result for Q&amp;A"/>
+          <p:cNvPicPr>
+            <a:picLocks noChangeAspect="1" noChangeArrowheads="1"/>
+          </p:cNvPicPr>
+          <p:nvPr/>
+        </p:nvPicPr>
+        <p:blipFill>
+          <a:blip r:embed="rId2">
+            <a:extLst>
+              <a:ext uri="{28A0092B-C50C-407E-A947-70E740481C1C}">
+                <a14:useLocalDpi xmlns:a14="http://schemas.microsoft.com/office/drawing/2010/main" val="0"/>
+              </a:ext>
+            </a:extLst>
+          </a:blip>
+          <a:srcRect/>
+          <a:stretch>
+            <a:fillRect/>
+          </a:stretch>
+        </p:blipFill>
+        <p:spPr bwMode="auto">
+          <a:xfrm>
+            <a:off x="2771775" y="2100262"/>
+            <a:ext cx="6648450" cy="3810000"/>
+          </a:xfrm>
+          <a:prstGeom prst="rect">
+            <a:avLst/>
+          </a:prstGeom>
+          <a:noFill/>
+          <a:extLst>
+            <a:ext uri="{909E8E84-426E-40DD-AFC4-6F175D3DCCD1}">
+              <a14:hiddenFill xmlns:a14="http://schemas.microsoft.com/office/drawing/2010/main">
+                <a:solidFill>
+                  <a:srgbClr val="FFFFFF"/>
+                </a:solidFill>
+              </a14:hiddenFill>
+            </a:ext>
+          </a:extLst>
+        </p:spPr>
+      </p:pic>
+    </p:spTree>
+    <p:extLst>
+      <p:ext uri="{BB962C8B-B14F-4D97-AF65-F5344CB8AC3E}">
+        <p14:creationId xmlns:p14="http://schemas.microsoft.com/office/powerpoint/2010/main" val="943263119"/>
+      </p:ext>
+    </p:extLst>
+  </p:cSld>
+  <p:clrMapOvr>
+    <a:masterClrMapping/>
+  </p:clrMapOvr>
+</p:sld>
+</file>
+
+<file path=ppt/slides/slide16.xml><?xml version="1.0" encoding="utf-8"?>
+<p:sld xmlns:a="http://schemas.openxmlformats.org/drawingml/2006/main" xmlns:r="http://schemas.openxmlformats.org/officeDocument/2006/relationships" xmlns:p="http://schemas.openxmlformats.org/presentationml/2006/main">
+  <p:cSld>
+    <p:spTree>
+      <p:nvGrpSpPr>
+        <p:cNvPr id="1" name=""/>
+        <p:cNvGrpSpPr/>
+        <p:nvPr/>
+      </p:nvGrpSpPr>
+      <p:grpSpPr>
+        <a:xfrm>
+          <a:off x="0" y="0"/>
+          <a:ext cx="0" cy="0"/>
+          <a:chOff x="0" y="0"/>
+          <a:chExt cx="0" cy="0"/>
+        </a:xfrm>
+      </p:grpSpPr>
+      <p:sp>
+        <p:nvSpPr>
+          <p:cNvPr id="2" name="Title 1"/>
+          <p:cNvSpPr>
+            <a:spLocks noGrp="1"/>
+          </p:cNvSpPr>
+          <p:nvPr>
+            <p:ph type="title"/>
+          </p:nvPr>
+        </p:nvSpPr>
+        <p:spPr/>
+        <p:txBody>
+          <a:bodyPr/>
+          <a:lstStyle/>
+          <a:p>
+            <a:r>
+              <a:rPr lang="en-US" dirty="0"/>
+              <a:t>Extras</a:t>
+            </a:r>
+          </a:p>
+        </p:txBody>
+      </p:sp>
+      <p:sp>
+        <p:nvSpPr>
+          <p:cNvPr id="3" name="Content Placeholder 2"/>
+          <p:cNvSpPr>
+            <a:spLocks noGrp="1"/>
+          </p:cNvSpPr>
+          <p:nvPr>
+            <p:ph idx="1"/>
+          </p:nvPr>
+        </p:nvSpPr>
+        <p:spPr/>
+        <p:txBody>
+          <a:bodyPr/>
+          <a:lstStyle/>
+          <a:p>
+            <a:endParaRPr lang="en-US"/>
+          </a:p>
+        </p:txBody>
+      </p:sp>
+    </p:spTree>
+    <p:extLst>
+      <p:ext uri="{BB962C8B-B14F-4D97-AF65-F5344CB8AC3E}">
+        <p14:creationId xmlns:p14="http://schemas.microsoft.com/office/powerpoint/2010/main" val="1918865852"/>
+      </p:ext>
+    </p:extLst>
+  </p:cSld>
+  <p:clrMapOvr>
+    <a:masterClrMapping/>
+  </p:clrMapOvr>
+</p:sld>
+</file>
+
+<file path=ppt/slides/slide17.xml><?xml version="1.0" encoding="utf-8"?>
+<p:sld xmlns:a="http://schemas.openxmlformats.org/drawingml/2006/main" xmlns:r="http://schemas.openxmlformats.org/officeDocument/2006/relationships" xmlns:p="http://schemas.openxmlformats.org/presentationml/2006/main">
+  <p:cSld>
+    <p:spTree>
+      <p:nvGrpSpPr>
+        <p:cNvPr id="1" name=""/>
+        <p:cNvGrpSpPr/>
+        <p:nvPr/>
+      </p:nvGrpSpPr>
+      <p:grpSpPr>
+        <a:xfrm>
+          <a:off x="0" y="0"/>
+          <a:ext cx="0" cy="0"/>
+          <a:chOff x="0" y="0"/>
+          <a:chExt cx="0" cy="0"/>
+        </a:xfrm>
+      </p:grpSpPr>
+      <p:sp>
+        <p:nvSpPr>
+          <p:cNvPr id="2" name="Title 1"/>
+          <p:cNvSpPr>
+            <a:spLocks noGrp="1"/>
+          </p:cNvSpPr>
+          <p:nvPr>
+            <p:ph type="title"/>
+          </p:nvPr>
+        </p:nvSpPr>
+        <p:spPr/>
+        <p:txBody>
+          <a:bodyPr/>
+          <a:lstStyle/>
+          <a:p>
+            <a:r>
+              <a:rPr lang="en-US" dirty="0"/>
+              <a:t>Architectural Design</a:t>
+            </a:r>
+            <a:br>
+              <a:rPr lang="en-US" dirty="0"/>
+            </a:br>
+            <a:r>
+              <a:rPr lang="en-US" dirty="0"/>
+              <a:t>Nurse Use Case</a:t>
+            </a:r>
+          </a:p>
+        </p:txBody>
+      </p:sp>
+      <p:pic>
+        <p:nvPicPr>
+          <p:cNvPr id="5" name="Content Placeholder 4"/>
+          <p:cNvPicPr>
+            <a:picLocks noGrp="1" noChangeAspect="1"/>
+          </p:cNvPicPr>
+          <p:nvPr>
+            <p:ph idx="1"/>
+          </p:nvPr>
+        </p:nvPicPr>
+        <p:blipFill>
+          <a:blip r:embed="rId2"/>
+          <a:stretch>
+            <a:fillRect/>
+          </a:stretch>
+        </p:blipFill>
+        <p:spPr>
+          <a:xfrm>
+            <a:off x="1341783" y="1995488"/>
+            <a:ext cx="8615247" cy="4260330"/>
+          </a:xfrm>
+          <a:prstGeom prst="rect">
+            <a:avLst/>
+          </a:prstGeom>
+        </p:spPr>
+      </p:pic>
+    </p:spTree>
+    <p:extLst>
+      <p:ext uri="{BB962C8B-B14F-4D97-AF65-F5344CB8AC3E}">
+        <p14:creationId xmlns:p14="http://schemas.microsoft.com/office/powerpoint/2010/main" val="838825267"/>
+      </p:ext>
+    </p:extLst>
+  </p:cSld>
+  <p:clrMapOvr>
+    <a:masterClrMapping/>
+  </p:clrMapOvr>
+</p:sld>
+</file>
+
+<file path=ppt/slides/slide18.xml><?xml version="1.0" encoding="utf-8"?>
+<p:sld xmlns:a="http://schemas.openxmlformats.org/drawingml/2006/main" xmlns:r="http://schemas.openxmlformats.org/officeDocument/2006/relationships" xmlns:p="http://schemas.openxmlformats.org/presentationml/2006/main">
+  <p:cSld>
+    <p:spTree>
+      <p:nvGrpSpPr>
+        <p:cNvPr id="1" name=""/>
+        <p:cNvGrpSpPr/>
+        <p:nvPr/>
+      </p:nvGrpSpPr>
+      <p:grpSpPr>
+        <a:xfrm>
+          <a:off x="0" y="0"/>
+          <a:ext cx="0" cy="0"/>
+          <a:chOff x="0" y="0"/>
+          <a:chExt cx="0" cy="0"/>
+        </a:xfrm>
+      </p:grpSpPr>
+      <p:sp>
+        <p:nvSpPr>
+          <p:cNvPr id="2" name="Title 1"/>
+          <p:cNvSpPr>
+            <a:spLocks noGrp="1"/>
+          </p:cNvSpPr>
+          <p:nvPr>
+            <p:ph type="title"/>
+          </p:nvPr>
+        </p:nvSpPr>
+        <p:spPr/>
+        <p:txBody>
+          <a:bodyPr/>
+          <a:lstStyle/>
+          <a:p>
+            <a:r>
+              <a:rPr lang="en-US" dirty="0"/>
+              <a:t>Architectural Design</a:t>
+            </a:r>
+            <a:br>
+              <a:rPr lang="en-US" dirty="0"/>
+            </a:br>
+            <a:r>
+              <a:rPr lang="en-US" dirty="0"/>
+              <a:t>Patient Use Case</a:t>
+            </a:r>
+          </a:p>
+        </p:txBody>
+      </p:sp>
+      <p:sp>
+        <p:nvSpPr>
+          <p:cNvPr id="3" name="Content Placeholder 2"/>
+          <p:cNvSpPr>
+            <a:spLocks noGrp="1"/>
+          </p:cNvSpPr>
+          <p:nvPr>
+            <p:ph idx="1"/>
+          </p:nvPr>
+        </p:nvSpPr>
+        <p:spPr/>
+        <p:txBody>
+          <a:bodyPr/>
+          <a:lstStyle/>
+          <a:p>
+            <a:endParaRPr lang="en-US"/>
+          </a:p>
+        </p:txBody>
+      </p:sp>
+      <p:pic>
+        <p:nvPicPr>
+          <p:cNvPr id="6" name="Picture 5"/>
+          <p:cNvPicPr>
+            <a:picLocks noChangeAspect="1"/>
+          </p:cNvPicPr>
+          <p:nvPr/>
+        </p:nvPicPr>
+        <p:blipFill>
+          <a:blip r:embed="rId2"/>
+          <a:stretch>
+            <a:fillRect/>
+          </a:stretch>
+        </p:blipFill>
+        <p:spPr>
+          <a:xfrm>
+            <a:off x="838200" y="1960563"/>
+            <a:ext cx="9870806" cy="4351337"/>
+          </a:xfrm>
+          <a:prstGeom prst="rect">
+            <a:avLst/>
+          </a:prstGeom>
+        </p:spPr>
+      </p:pic>
+    </p:spTree>
+    <p:extLst>
+      <p:ext uri="{BB962C8B-B14F-4D97-AF65-F5344CB8AC3E}">
+        <p14:creationId xmlns:p14="http://schemas.microsoft.com/office/powerpoint/2010/main" val="302747397"/>
+      </p:ext>
+    </p:extLst>
+  </p:cSld>
+  <p:clrMapOvr>
+    <a:masterClrMapping/>
+  </p:clrMapOvr>
+</p:sld>
+</file>
+
+<file path=ppt/slides/slide19.xml><?xml version="1.0" encoding="utf-8"?>
+<p:sld xmlns:a="http://schemas.openxmlformats.org/drawingml/2006/main" xmlns:r="http://schemas.openxmlformats.org/officeDocument/2006/relationships" xmlns:p="http://schemas.openxmlformats.org/presentationml/2006/main">
+  <p:cSld>
+    <p:spTree>
+      <p:nvGrpSpPr>
+        <p:cNvPr id="1" name=""/>
+        <p:cNvGrpSpPr/>
+        <p:nvPr/>
+      </p:nvGrpSpPr>
+      <p:grpSpPr>
+        <a:xfrm>
+          <a:off x="0" y="0"/>
+          <a:ext cx="0" cy="0"/>
+          <a:chOff x="0" y="0"/>
+          <a:chExt cx="0" cy="0"/>
+        </a:xfrm>
+      </p:grpSpPr>
+      <p:sp>
+        <p:nvSpPr>
+          <p:cNvPr id="2" name="Title 1"/>
+          <p:cNvSpPr>
+            <a:spLocks noGrp="1"/>
+          </p:cNvSpPr>
+          <p:nvPr>
+            <p:ph type="title"/>
+          </p:nvPr>
+        </p:nvSpPr>
+        <p:spPr/>
+        <p:txBody>
+          <a:bodyPr/>
+          <a:lstStyle/>
+          <a:p>
+            <a:r>
+              <a:rPr lang="en-US" dirty="0"/>
+              <a:t>Architectural Design</a:t>
+            </a:r>
+            <a:br>
+              <a:rPr lang="en-US" dirty="0"/>
+            </a:br>
+            <a:r>
+              <a:rPr lang="en-US" dirty="0"/>
+              <a:t>Subscriber (family members) Use Case</a:t>
+            </a:r>
+          </a:p>
+        </p:txBody>
+      </p:sp>
+      <p:pic>
+        <p:nvPicPr>
+          <p:cNvPr id="4" name="Content Placeholder 3"/>
+          <p:cNvPicPr>
+            <a:picLocks noGrp="1" noChangeAspect="1"/>
+          </p:cNvPicPr>
+          <p:nvPr>
+            <p:ph idx="1"/>
+          </p:nvPr>
+        </p:nvPicPr>
+        <p:blipFill>
+          <a:blip r:embed="rId2"/>
+          <a:stretch>
+            <a:fillRect/>
+          </a:stretch>
+        </p:blipFill>
+        <p:spPr>
+          <a:xfrm>
+            <a:off x="819262" y="1853754"/>
+            <a:ext cx="10235592" cy="4500088"/>
+          </a:xfrm>
+          <a:prstGeom prst="rect">
+            <a:avLst/>
+          </a:prstGeom>
+        </p:spPr>
+      </p:pic>
+    </p:spTree>
+    <p:extLst>
+      <p:ext uri="{BB962C8B-B14F-4D97-AF65-F5344CB8AC3E}">
+        <p14:creationId xmlns:p14="http://schemas.microsoft.com/office/powerpoint/2010/main" val="1463627857"/>
+      </p:ext>
+    </p:extLst>
+  </p:cSld>
+  <p:clrMapOvr>
+    <a:masterClrMapping/>
+  </p:clrMapOvr>
+</p:sld>
+</file>
+
+<file path=ppt/slides/slide2.xml><?xml version="1.0" encoding="utf-8"?>
+<p:sld xmlns:a="http://schemas.openxmlformats.org/drawingml/2006/main" xmlns:r="http://schemas.openxmlformats.org/officeDocument/2006/relationships" xmlns:p="http://schemas.openxmlformats.org/presentationml/2006/main">
+  <p:cSld>
+    <p:spTree>
+      <p:nvGrpSpPr>
+        <p:cNvPr id="1" name=""/>
+        <p:cNvGrpSpPr/>
+        <p:nvPr/>
+      </p:nvGrpSpPr>
+      <p:grpSpPr>
+        <a:xfrm>
+          <a:off x="0" y="0"/>
+          <a:ext cx="0" cy="0"/>
+          <a:chOff x="0" y="0"/>
+          <a:chExt cx="0" cy="0"/>
+        </a:xfrm>
+      </p:grpSpPr>
+      <p:sp>
+        <p:nvSpPr>
+          <p:cNvPr id="2" name="Title 1"/>
+          <p:cNvSpPr>
+            <a:spLocks noGrp="1"/>
+          </p:cNvSpPr>
+          <p:nvPr>
+            <p:ph type="title"/>
+          </p:nvPr>
+        </p:nvSpPr>
+        <p:spPr/>
+        <p:txBody>
+          <a:bodyPr/>
+          <a:lstStyle/>
+          <a:p>
+            <a:r>
+              <a:rPr lang="en-US" dirty="0"/>
+              <a:t>Agenda</a:t>
+            </a:r>
+          </a:p>
+        </p:txBody>
+      </p:sp>
+      <p:sp>
+        <p:nvSpPr>
+          <p:cNvPr id="3" name="Content Placeholder 2"/>
+          <p:cNvSpPr>
+            <a:spLocks noGrp="1"/>
+          </p:cNvSpPr>
+          <p:nvPr>
+            <p:ph idx="1"/>
+          </p:nvPr>
+        </p:nvSpPr>
+        <p:spPr/>
+        <p:txBody>
+          <a:bodyPr/>
+          <a:lstStyle/>
+          <a:p>
+            <a:r>
+              <a:rPr lang="en-US" dirty="0"/>
+              <a:t>Project Overview</a:t>
+            </a:r>
+          </a:p>
+          <a:p>
+            <a:r>
+              <a:rPr lang="en-US" dirty="0"/>
+              <a:t>Architectural Design</a:t>
+            </a:r>
+          </a:p>
+          <a:p>
+            <a:r>
+              <a:rPr lang="en-US" dirty="0"/>
+              <a:t>Technology</a:t>
+            </a:r>
+          </a:p>
+          <a:p>
+            <a:r>
+              <a:rPr lang="en-US" dirty="0"/>
+              <a:t>Dashboard Demo</a:t>
+            </a:r>
+          </a:p>
+        </p:txBody>
+      </p:sp>
+    </p:spTree>
+    <p:extLst>
+      <p:ext uri="{BB962C8B-B14F-4D97-AF65-F5344CB8AC3E}">
+        <p14:creationId xmlns:p14="http://schemas.microsoft.com/office/powerpoint/2010/main" val="1181194882"/>
+      </p:ext>
+    </p:extLst>
+  </p:cSld>
+  <p:clrMapOvr>
+    <a:masterClrMapping/>
+  </p:clrMapOvr>
+</p:sld>
+</file>
+
+<file path=ppt/slides/slide20.xml><?xml version="1.0" encoding="utf-8"?>
+<p:sld xmlns:a="http://schemas.openxmlformats.org/drawingml/2006/main" xmlns:r="http://schemas.openxmlformats.org/officeDocument/2006/relationships" xmlns:p="http://schemas.openxmlformats.org/presentationml/2006/main">
+  <p:cSld>
+    <p:spTree>
+      <p:nvGrpSpPr>
+        <p:cNvPr id="1" name=""/>
+        <p:cNvGrpSpPr/>
+        <p:nvPr/>
+      </p:nvGrpSpPr>
+      <p:grpSpPr>
+        <a:xfrm>
+          <a:off x="0" y="0"/>
+          <a:ext cx="0" cy="0"/>
+          <a:chOff x="0" y="0"/>
+          <a:chExt cx="0" cy="0"/>
+        </a:xfrm>
+      </p:grpSpPr>
+      <p:sp>
+        <p:nvSpPr>
+          <p:cNvPr id="2" name="Title 1"/>
+          <p:cNvSpPr>
+            <a:spLocks noGrp="1"/>
+          </p:cNvSpPr>
+          <p:nvPr>
+            <p:ph type="title" idx="4294967295"/>
+          </p:nvPr>
+        </p:nvSpPr>
+        <p:spPr>
+          <a:xfrm>
+            <a:off x="2587625" y="804863"/>
+            <a:ext cx="9604375" cy="1049337"/>
+          </a:xfrm>
+        </p:spPr>
+        <p:txBody>
+          <a:bodyPr/>
+          <a:lstStyle/>
+          <a:p>
+            <a:r>
+              <a:rPr lang="en-US" dirty="0"/>
+              <a:t>Data Model</a:t>
+            </a:r>
+          </a:p>
+        </p:txBody>
+      </p:sp>
+      <p:pic>
+        <p:nvPicPr>
+          <p:cNvPr id="4" name="Content Placeholder 3"/>
+          <p:cNvPicPr>
+            <a:picLocks noGrp="1" noChangeAspect="1"/>
+          </p:cNvPicPr>
+          <p:nvPr>
+            <p:ph idx="4294967295"/>
+          </p:nvPr>
+        </p:nvPicPr>
+        <p:blipFill>
+          <a:blip r:embed="rId2"/>
+          <a:stretch>
+            <a:fillRect/>
+          </a:stretch>
+        </p:blipFill>
+        <p:spPr>
+          <a:xfrm>
+            <a:off x="344557" y="1329531"/>
+            <a:ext cx="11489633" cy="4797425"/>
+          </a:xfrm>
+          <a:prstGeom prst="rect">
+            <a:avLst/>
+          </a:prstGeom>
+        </p:spPr>
+      </p:pic>
+    </p:spTree>
+    <p:extLst>
+      <p:ext uri="{BB962C8B-B14F-4D97-AF65-F5344CB8AC3E}">
+        <p14:creationId xmlns:p14="http://schemas.microsoft.com/office/powerpoint/2010/main" val="3214396346"/>
+      </p:ext>
+    </p:extLst>
+  </p:cSld>
+  <p:clrMapOvr>
+    <a:masterClrMapping/>
+  </p:clrMapOvr>
+</p:sld>
+</file>
+
+<file path=ppt/slides/slide3.xml><?xml version="1.0" encoding="utf-8"?>
+<p:sld xmlns:a="http://schemas.openxmlformats.org/drawingml/2006/main" xmlns:r="http://schemas.openxmlformats.org/officeDocument/2006/relationships" xmlns:p="http://schemas.openxmlformats.org/presentationml/2006/main">
+  <p:cSld>
+    <p:spTree>
+      <p:nvGrpSpPr>
+        <p:cNvPr id="1" name=""/>
+        <p:cNvGrpSpPr/>
+        <p:nvPr/>
+      </p:nvGrpSpPr>
+      <p:grpSpPr>
+        <a:xfrm>
+          <a:off x="0" y="0"/>
+          <a:ext cx="0" cy="0"/>
+          <a:chOff x="0" y="0"/>
+          <a:chExt cx="0" cy="0"/>
+        </a:xfrm>
+      </p:grpSpPr>
+      <p:sp>
+        <p:nvSpPr>
+          <p:cNvPr id="2" name="Title 1"/>
+          <p:cNvSpPr>
+            <a:spLocks noGrp="1"/>
+          </p:cNvSpPr>
+          <p:nvPr>
+            <p:ph type="title"/>
+          </p:nvPr>
+        </p:nvSpPr>
+        <p:spPr/>
+        <p:txBody>
+          <a:bodyPr/>
+          <a:lstStyle/>
+          <a:p>
+            <a:r>
+              <a:rPr lang="en-US" dirty="0"/>
+              <a:t>Project Overview</a:t>
+            </a:r>
+          </a:p>
+        </p:txBody>
+      </p:sp>
+      <p:sp>
+        <p:nvSpPr>
+          <p:cNvPr id="3" name="Content Placeholder 2"/>
+          <p:cNvSpPr>
+            <a:spLocks noGrp="1"/>
+          </p:cNvSpPr>
+          <p:nvPr>
+            <p:ph idx="1"/>
+          </p:nvPr>
+        </p:nvSpPr>
+        <p:spPr/>
+        <p:txBody>
+          <a:bodyPr/>
+          <a:lstStyle/>
+          <a:p>
+            <a:r>
+              <a:rPr lang="en-US" dirty="0"/>
+              <a:t>Empowering patients to be independent and allows nurses to monitor patients medication status</a:t>
+            </a:r>
+          </a:p>
+          <a:p>
+            <a:r>
+              <a:rPr lang="en-US" dirty="0"/>
+              <a:t>Leverage automation through patient profiles to remind them to take medication according to the schedule</a:t>
+            </a:r>
+          </a:p>
+          <a:p>
+            <a:r>
+              <a:rPr lang="en-US" dirty="0"/>
+              <a:t>Acknowledgement from either nurses and patients to confirm that the schedule has been followed</a:t>
+            </a:r>
+          </a:p>
+          <a:p>
+            <a:pPr lvl="1"/>
+            <a:r>
+              <a:rPr lang="en-US" dirty="0" err="1"/>
+              <a:t>IoT</a:t>
+            </a:r>
+            <a:r>
+              <a:rPr lang="en-US" dirty="0"/>
+              <a:t> add-on:  medication box can notify the monitoring system</a:t>
+            </a:r>
+          </a:p>
+          <a:p>
+            <a:r>
+              <a:rPr lang="en-US" dirty="0"/>
+              <a:t>Monitoring and notification can be extended to family members</a:t>
+            </a:r>
+          </a:p>
+        </p:txBody>
+      </p:sp>
+    </p:spTree>
+    <p:extLst>
+      <p:ext uri="{BB962C8B-B14F-4D97-AF65-F5344CB8AC3E}">
+        <p14:creationId xmlns:p14="http://schemas.microsoft.com/office/powerpoint/2010/main" val="4072090189"/>
+      </p:ext>
+    </p:extLst>
+  </p:cSld>
+  <p:clrMapOvr>
+    <a:masterClrMapping/>
+  </p:clrMapOvr>
+</p:sld>
+</file>
+
+<file path=ppt/slides/slide4.xml><?xml version="1.0" encoding="utf-8"?>
+<p:sld xmlns:a="http://schemas.openxmlformats.org/drawingml/2006/main" xmlns:r="http://schemas.openxmlformats.org/officeDocument/2006/relationships" xmlns:p="http://schemas.openxmlformats.org/presentationml/2006/main">
+  <p:cSld>
+    <p:spTree>
+      <p:nvGrpSpPr>
+        <p:cNvPr id="1" name=""/>
+        <p:cNvGrpSpPr/>
+        <p:nvPr/>
+      </p:nvGrpSpPr>
+      <p:grpSpPr>
+        <a:xfrm>
+          <a:off x="0" y="0"/>
+          <a:ext cx="0" cy="0"/>
+          <a:chOff x="0" y="0"/>
+          <a:chExt cx="0" cy="0"/>
+        </a:xfrm>
+      </p:grpSpPr>
+      <p:pic>
+        <p:nvPicPr>
+          <p:cNvPr id="10" name="Picture 9"/>
+          <p:cNvPicPr>
+            <a:picLocks noChangeAspect="1"/>
+          </p:cNvPicPr>
+          <p:nvPr/>
+        </p:nvPicPr>
+        <p:blipFill>
+          <a:blip r:embed="rId2"/>
+          <a:stretch>
+            <a:fillRect/>
+          </a:stretch>
+        </p:blipFill>
+        <p:spPr>
+          <a:xfrm>
+            <a:off x="0" y="0"/>
+            <a:ext cx="12192000" cy="6858000"/>
+          </a:xfrm>
+          <a:prstGeom prst="rect">
+            <a:avLst/>
+          </a:prstGeom>
+        </p:spPr>
+      </p:pic>
+    </p:spTree>
+    <p:extLst>
+      <p:ext uri="{BB962C8B-B14F-4D97-AF65-F5344CB8AC3E}">
+        <p14:creationId xmlns:p14="http://schemas.microsoft.com/office/powerpoint/2010/main" val="3659277977"/>
+      </p:ext>
+    </p:extLst>
+  </p:cSld>
+  <p:clrMapOvr>
+    <a:masterClrMapping/>
+  </p:clrMapOvr>
+</p:sld>
+</file>
+
+<file path=ppt/slides/slide5.xml><?xml version="1.0" encoding="utf-8"?>
+<p:sld xmlns:a="http://schemas.openxmlformats.org/drawingml/2006/main" xmlns:r="http://schemas.openxmlformats.org/officeDocument/2006/relationships" xmlns:p="http://schemas.openxmlformats.org/presentationml/2006/main">
+  <p:cSld>
+    <p:spTree>
+      <p:nvGrpSpPr>
+        <p:cNvPr id="1" name=""/>
+        <p:cNvGrpSpPr/>
+        <p:nvPr/>
+      </p:nvGrpSpPr>
+      <p:grpSpPr>
+        <a:xfrm>
+          <a:off x="0" y="0"/>
+          <a:ext cx="0" cy="0"/>
+          <a:chOff x="0" y="0"/>
+          <a:chExt cx="0" cy="0"/>
+        </a:xfrm>
+      </p:grpSpPr>
       <p:pic>
         <p:nvPicPr>
           <p:cNvPr id="2" name="Picture 1"/>
@@ -3795,6 +5049,60 @@
         </p:blipFill>
         <p:spPr>
           <a:xfrm>
+            <a:off x="0" y="1"/>
+            <a:ext cx="12192000" cy="6858000"/>
+          </a:xfrm>
+          <a:prstGeom prst="rect">
+            <a:avLst/>
+          </a:prstGeom>
+        </p:spPr>
+      </p:pic>
+    </p:spTree>
+    <p:extLst>
+      <p:ext uri="{BB962C8B-B14F-4D97-AF65-F5344CB8AC3E}">
+        <p14:creationId xmlns:p14="http://schemas.microsoft.com/office/powerpoint/2010/main" val="3502743659"/>
+      </p:ext>
+    </p:extLst>
+  </p:cSld>
+  <p:clrMapOvr>
+    <a:masterClrMapping/>
+  </p:clrMapOvr>
+</p:sld>
+</file>
+
+<file path=ppt/slides/slide6.xml><?xml version="1.0" encoding="utf-8"?>
+<p:sld xmlns:a="http://schemas.openxmlformats.org/drawingml/2006/main" xmlns:r="http://schemas.openxmlformats.org/officeDocument/2006/relationships" xmlns:p="http://schemas.openxmlformats.org/presentationml/2006/main">
+  <p:cSld>
+    <p:spTree>
+      <p:nvGrpSpPr>
+        <p:cNvPr id="1" name=""/>
+        <p:cNvGrpSpPr/>
+        <p:nvPr/>
+      </p:nvGrpSpPr>
+      <p:grpSpPr>
+        <a:xfrm>
+          <a:off x="0" y="0"/>
+          <a:ext cx="0" cy="0"/>
+          <a:chOff x="0" y="0"/>
+          <a:chExt cx="0" cy="0"/>
+        </a:xfrm>
+      </p:grpSpPr>
+      <p:pic>
+        <p:nvPicPr>
+          <p:cNvPr id="2" name="Picture 1"/>
+          <p:cNvPicPr>
+            <a:picLocks noChangeAspect="1"/>
+          </p:cNvPicPr>
+          <p:nvPr/>
+        </p:nvPicPr>
+        <p:blipFill>
+          <a:blip r:embed="rId2"/>
+          <a:stretch>
+            <a:fillRect/>
+          </a:stretch>
+        </p:blipFill>
+        <p:spPr>
+          <a:xfrm>
             <a:off x="0" y="-3120"/>
             <a:ext cx="12192000" cy="6844351"/>
           </a:xfrm>
@@ -3816,7 +5124,7 @@
 </p:sld>
 </file>
 
-<file path=ppt/slides/slide11.xml><?xml version="1.0" encoding="utf-8"?>
+<file path=ppt/slides/slide7.xml><?xml version="1.0" encoding="utf-8"?>
 <p:sld xmlns:a="http://schemas.openxmlformats.org/drawingml/2006/main" xmlns:r="http://schemas.openxmlformats.org/officeDocument/2006/relationships" xmlns:p="http://schemas.openxmlformats.org/presentationml/2006/main">
   <p:cSld>
     <p:spTree>
@@ -3870,7 +5178,7 @@
 </p:sld>
 </file>
 
-<file path=ppt/slides/slide12.xml><?xml version="1.0" encoding="utf-8"?>
+<file path=ppt/slides/slide8.xml><?xml version="1.0" encoding="utf-8"?>
 <p:sld xmlns:a="http://schemas.openxmlformats.org/drawingml/2006/main" xmlns:r="http://schemas.openxmlformats.org/officeDocument/2006/relationships" xmlns:p="http://schemas.openxmlformats.org/presentationml/2006/main">
   <p:cSld>
     <p:spTree>
@@ -3924,7 +5232,7 @@
 </p:sld>
 </file>
 
-<file path=ppt/slides/slide13.xml><?xml version="1.0" encoding="utf-8"?>
+<file path=ppt/slides/slide9.xml><?xml version="1.0" encoding="utf-8"?>
 <p:sld xmlns:a="http://schemas.openxmlformats.org/drawingml/2006/main" xmlns:r="http://schemas.openxmlformats.org/officeDocument/2006/relationships" xmlns:p="http://schemas.openxmlformats.org/presentationml/2006/main">
   <p:cSld>
     <p:spTree>
@@ -3969,1244 +5277,6 @@
     <p:extLst>
       <p:ext uri="{BB962C8B-B14F-4D97-AF65-F5344CB8AC3E}">
         <p14:creationId xmlns:p14="http://schemas.microsoft.com/office/powerpoint/2010/main" val="3895480556"/>
-      </p:ext>
-    </p:extLst>
-  </p:cSld>
-  <p:clrMapOvr>
-    <a:masterClrMapping/>
-  </p:clrMapOvr>
-</p:sld>
-</file>
-
-<file path=ppt/slides/slide14.xml><?xml version="1.0" encoding="utf-8"?>
-<p:sld xmlns:a="http://schemas.openxmlformats.org/drawingml/2006/main" xmlns:r="http://schemas.openxmlformats.org/officeDocument/2006/relationships" xmlns:p="http://schemas.openxmlformats.org/presentationml/2006/main">
-  <p:cSld>
-    <p:spTree>
-      <p:nvGrpSpPr>
-        <p:cNvPr id="1" name=""/>
-        <p:cNvGrpSpPr/>
-        <p:nvPr/>
-      </p:nvGrpSpPr>
-      <p:grpSpPr>
-        <a:xfrm>
-          <a:off x="0" y="0"/>
-          <a:ext cx="0" cy="0"/>
-          <a:chOff x="0" y="0"/>
-          <a:chExt cx="0" cy="0"/>
-        </a:xfrm>
-      </p:grpSpPr>
-      <p:sp>
-        <p:nvSpPr>
-          <p:cNvPr id="2" name="Title 1"/>
-          <p:cNvSpPr>
-            <a:spLocks noGrp="1"/>
-          </p:cNvSpPr>
-          <p:nvPr>
-            <p:ph type="title"/>
-          </p:nvPr>
-        </p:nvSpPr>
-        <p:spPr/>
-        <p:txBody>
-          <a:bodyPr/>
-          <a:lstStyle/>
-          <a:p>
-            <a:r>
-              <a:rPr lang="en-US" dirty="0"/>
-              <a:t>Technology</a:t>
-            </a:r>
-          </a:p>
-        </p:txBody>
-      </p:sp>
-      <p:sp>
-        <p:nvSpPr>
-          <p:cNvPr id="3" name="Content Placeholder 2"/>
-          <p:cNvSpPr>
-            <a:spLocks noGrp="1"/>
-          </p:cNvSpPr>
-          <p:nvPr>
-            <p:ph idx="1"/>
-          </p:nvPr>
-        </p:nvSpPr>
-        <p:spPr/>
-        <p:txBody>
-          <a:bodyPr/>
-          <a:lstStyle/>
-          <a:p>
-            <a:r>
-              <a:rPr lang="en-US" dirty="0"/>
-              <a:t>Database - MySQL</a:t>
-            </a:r>
-          </a:p>
-          <a:p>
-            <a:r>
-              <a:rPr lang="en-US" dirty="0"/>
-              <a:t>GUI Design – Sketch App</a:t>
-            </a:r>
-          </a:p>
-          <a:p>
-            <a:r>
-              <a:rPr lang="en-US" dirty="0"/>
-              <a:t>Webserver - Amazon Web Service  </a:t>
-            </a:r>
-          </a:p>
-          <a:p>
-            <a:r>
-              <a:rPr lang="en-US" dirty="0"/>
-              <a:t>Dynamic HTML </a:t>
-            </a:r>
-            <a:r>
-              <a:rPr lang="en-US" dirty="0"/>
-              <a:t>-</a:t>
-            </a:r>
-            <a:r>
-              <a:rPr lang="en-US" dirty="0"/>
-              <a:t> Node Java Script</a:t>
-            </a:r>
-          </a:p>
-          <a:p>
-            <a:r>
-              <a:rPr lang="en-US" dirty="0"/>
-              <a:t>Zang </a:t>
-            </a:r>
-            <a:r>
-              <a:rPr lang="en-US" dirty="0"/>
-              <a:t>-</a:t>
-            </a:r>
-            <a:r>
-              <a:rPr lang="en-US" dirty="0"/>
-              <a:t> Notification Engine</a:t>
-            </a:r>
-          </a:p>
-          <a:p>
-            <a:r>
-              <a:rPr lang="en-US" dirty="0" err="1"/>
-              <a:t>IoT</a:t>
-            </a:r>
-            <a:r>
-              <a:rPr lang="en-US" dirty="0"/>
-              <a:t> </a:t>
-            </a:r>
-            <a:r>
-              <a:rPr lang="en-US" dirty="0"/>
-              <a:t>-</a:t>
-            </a:r>
-            <a:r>
-              <a:rPr lang="en-US" dirty="0"/>
-              <a:t> Arduino Micro Controller</a:t>
-            </a:r>
-          </a:p>
-        </p:txBody>
-      </p:sp>
-    </p:spTree>
-    <p:extLst>
-      <p:ext uri="{BB962C8B-B14F-4D97-AF65-F5344CB8AC3E}">
-        <p14:creationId xmlns:p14="http://schemas.microsoft.com/office/powerpoint/2010/main" val="253336704"/>
-      </p:ext>
-    </p:extLst>
-  </p:cSld>
-  <p:clrMapOvr>
-    <a:masterClrMapping/>
-  </p:clrMapOvr>
-</p:sld>
-</file>
-
-<file path=ppt/slides/slide15.xml><?xml version="1.0" encoding="utf-8"?>
-<p:sld xmlns:a="http://schemas.openxmlformats.org/drawingml/2006/main" xmlns:r="http://schemas.openxmlformats.org/officeDocument/2006/relationships" xmlns:p="http://schemas.openxmlformats.org/presentationml/2006/main">
-  <p:cSld>
-    <p:spTree>
-      <p:nvGrpSpPr>
-        <p:cNvPr id="1" name=""/>
-        <p:cNvGrpSpPr/>
-        <p:nvPr/>
-      </p:nvGrpSpPr>
-      <p:grpSpPr>
-        <a:xfrm>
-          <a:off x="0" y="0"/>
-          <a:ext cx="0" cy="0"/>
-          <a:chOff x="0" y="0"/>
-          <a:chExt cx="0" cy="0"/>
-        </a:xfrm>
-      </p:grpSpPr>
-      <p:pic>
-        <p:nvPicPr>
-          <p:cNvPr id="1026" name="Picture 2" descr="https://raw.githubusercontent.com/pau1ypau1/vitamin-Zang/master/Vitamin%20Zang%20Wirefram%20-%201.png"/>
-          <p:cNvPicPr>
-            <a:picLocks noGrp="1" noChangeAspect="1" noChangeArrowheads="1"/>
-          </p:cNvPicPr>
-          <p:nvPr>
-            <p:ph idx="1"/>
-          </p:nvPr>
-        </p:nvPicPr>
-        <p:blipFill>
-          <a:blip r:embed="rId2">
-            <a:extLst>
-              <a:ext uri="{28A0092B-C50C-407E-A947-70E740481C1C}">
-                <a14:useLocalDpi xmlns:a14="http://schemas.microsoft.com/office/drawing/2010/main" val="0"/>
-              </a:ext>
-            </a:extLst>
-          </a:blip>
-          <a:srcRect/>
-          <a:stretch>
-            <a:fillRect/>
-          </a:stretch>
-        </p:blipFill>
-        <p:spPr bwMode="auto">
-          <a:xfrm>
-            <a:off x="0" y="25768"/>
-            <a:ext cx="12192000" cy="6832232"/>
-          </a:xfrm>
-          <a:prstGeom prst="rect">
-            <a:avLst/>
-          </a:prstGeom>
-          <a:noFill/>
-          <a:extLst>
-            <a:ext uri="{909E8E84-426E-40DD-AFC4-6F175D3DCCD1}">
-              <a14:hiddenFill xmlns:a14="http://schemas.microsoft.com/office/drawing/2010/main">
-                <a:solidFill>
-                  <a:srgbClr val="FFFFFF"/>
-                </a:solidFill>
-              </a14:hiddenFill>
-            </a:ext>
-          </a:extLst>
-        </p:spPr>
-      </p:pic>
-    </p:spTree>
-    <p:extLst>
-      <p:ext uri="{BB962C8B-B14F-4D97-AF65-F5344CB8AC3E}">
-        <p14:creationId xmlns:p14="http://schemas.microsoft.com/office/powerpoint/2010/main" val="4101601141"/>
-      </p:ext>
-    </p:extLst>
-  </p:cSld>
-  <p:clrMapOvr>
-    <a:masterClrMapping/>
-  </p:clrMapOvr>
-</p:sld>
-</file>
-
-<file path=ppt/slides/slide16.xml><?xml version="1.0" encoding="utf-8"?>
-<p:sld xmlns:a="http://schemas.openxmlformats.org/drawingml/2006/main" xmlns:r="http://schemas.openxmlformats.org/officeDocument/2006/relationships" xmlns:p="http://schemas.openxmlformats.org/presentationml/2006/main">
-  <p:cSld>
-    <p:spTree>
-      <p:nvGrpSpPr>
-        <p:cNvPr id="1" name=""/>
-        <p:cNvGrpSpPr/>
-        <p:nvPr/>
-      </p:nvGrpSpPr>
-      <p:grpSpPr>
-        <a:xfrm>
-          <a:off x="0" y="0"/>
-          <a:ext cx="0" cy="0"/>
-          <a:chOff x="0" y="0"/>
-          <a:chExt cx="0" cy="0"/>
-        </a:xfrm>
-      </p:grpSpPr>
-      <p:sp>
-        <p:nvSpPr>
-          <p:cNvPr id="2" name="Title 1"/>
-          <p:cNvSpPr>
-            <a:spLocks noGrp="1"/>
-          </p:cNvSpPr>
-          <p:nvPr>
-            <p:ph type="title"/>
-          </p:nvPr>
-        </p:nvSpPr>
-        <p:spPr/>
-        <p:txBody>
-          <a:bodyPr/>
-          <a:lstStyle/>
-          <a:p>
-            <a:r>
-              <a:rPr lang="en-US" dirty="0"/>
-              <a:t>Demo</a:t>
-            </a:r>
-          </a:p>
-        </p:txBody>
-      </p:sp>
-      <p:sp>
-        <p:nvSpPr>
-          <p:cNvPr id="3" name="Content Placeholder 2"/>
-          <p:cNvSpPr>
-            <a:spLocks noGrp="1"/>
-          </p:cNvSpPr>
-          <p:nvPr>
-            <p:ph idx="1"/>
-          </p:nvPr>
-        </p:nvSpPr>
-        <p:spPr/>
-        <p:txBody>
-          <a:bodyPr/>
-          <a:lstStyle/>
-          <a:p>
-            <a:r>
-              <a:rPr lang="en-US" dirty="0"/>
-              <a:t>Nurse Dashboard</a:t>
-            </a:r>
-          </a:p>
-          <a:p>
-            <a:r>
-              <a:rPr lang="en-US" dirty="0"/>
-              <a:t>DEMO URL:  </a:t>
-            </a:r>
-            <a:r>
-              <a:rPr lang="en-US" dirty="0">
-                <a:hlinkClick r:id="rId2"/>
-              </a:rPr>
-              <a:t>http://54.237.239.59/</a:t>
-            </a:r>
-            <a:endParaRPr lang="en-US" dirty="0"/>
-          </a:p>
-          <a:p>
-            <a:endParaRPr lang="en-US" dirty="0"/>
-          </a:p>
-        </p:txBody>
-      </p:sp>
-    </p:spTree>
-    <p:extLst>
-      <p:ext uri="{BB962C8B-B14F-4D97-AF65-F5344CB8AC3E}">
-        <p14:creationId xmlns:p14="http://schemas.microsoft.com/office/powerpoint/2010/main" val="664315609"/>
-      </p:ext>
-    </p:extLst>
-  </p:cSld>
-  <p:clrMapOvr>
-    <a:masterClrMapping/>
-  </p:clrMapOvr>
-</p:sld>
-</file>
-
-<file path=ppt/slides/slide17.xml><?xml version="1.0" encoding="utf-8"?>
-<p:sld xmlns:a="http://schemas.openxmlformats.org/drawingml/2006/main" xmlns:r="http://schemas.openxmlformats.org/officeDocument/2006/relationships" xmlns:p="http://schemas.openxmlformats.org/presentationml/2006/main">
-  <p:cSld>
-    <p:spTree>
-      <p:nvGrpSpPr>
-        <p:cNvPr id="1" name=""/>
-        <p:cNvGrpSpPr/>
-        <p:nvPr/>
-      </p:nvGrpSpPr>
-      <p:grpSpPr>
-        <a:xfrm>
-          <a:off x="0" y="0"/>
-          <a:ext cx="0" cy="0"/>
-          <a:chOff x="0" y="0"/>
-          <a:chExt cx="0" cy="0"/>
-        </a:xfrm>
-      </p:grpSpPr>
-      <p:sp>
-        <p:nvSpPr>
-          <p:cNvPr id="2" name="Title 1"/>
-          <p:cNvSpPr>
-            <a:spLocks noGrp="1"/>
-          </p:cNvSpPr>
-          <p:nvPr>
-            <p:ph type="title"/>
-          </p:nvPr>
-        </p:nvSpPr>
-        <p:spPr/>
-        <p:txBody>
-          <a:bodyPr/>
-          <a:lstStyle/>
-          <a:p>
-            <a:r>
-              <a:rPr lang="en-US" dirty="0" err="1"/>
-              <a:t>IoT</a:t>
-            </a:r>
-            <a:r>
-              <a:rPr lang="en-US" dirty="0"/>
-              <a:t> - Demo</a:t>
-            </a:r>
-          </a:p>
-        </p:txBody>
-      </p:sp>
-      <p:pic>
-        <p:nvPicPr>
-          <p:cNvPr id="7" name="Content Placeholder 6"/>
-          <p:cNvPicPr>
-            <a:picLocks noGrp="1" noChangeAspect="1"/>
-          </p:cNvPicPr>
-          <p:nvPr>
-            <p:ph idx="1"/>
-          </p:nvPr>
-        </p:nvPicPr>
-        <p:blipFill>
-          <a:blip r:embed="rId2">
-            <a:extLst>
-              <a:ext uri="{28A0092B-C50C-407E-A947-70E740481C1C}">
-                <a14:useLocalDpi xmlns:a14="http://schemas.microsoft.com/office/drawing/2010/main" val="0"/>
-              </a:ext>
-            </a:extLst>
-          </a:blip>
-          <a:stretch>
-            <a:fillRect/>
-          </a:stretch>
-        </p:blipFill>
-        <p:spPr bwMode="auto">
-          <a:xfrm>
-            <a:off x="2994991" y="1936611"/>
-            <a:ext cx="5557931" cy="4168448"/>
-          </a:xfrm>
-          <a:prstGeom prst="rect">
-            <a:avLst/>
-          </a:prstGeom>
-          <a:noFill/>
-          <a:extLst>
-            <a:ext uri="{909E8E84-426E-40DD-AFC4-6F175D3DCCD1}">
-              <a14:hiddenFill xmlns:a14="http://schemas.microsoft.com/office/drawing/2010/main">
-                <a:solidFill>
-                  <a:srgbClr val="FFFFFF"/>
-                </a:solidFill>
-              </a14:hiddenFill>
-            </a:ext>
-          </a:extLst>
-        </p:spPr>
-      </p:pic>
-    </p:spTree>
-    <p:extLst>
-      <p:ext uri="{BB962C8B-B14F-4D97-AF65-F5344CB8AC3E}">
-        <p14:creationId xmlns:p14="http://schemas.microsoft.com/office/powerpoint/2010/main" val="1442972184"/>
-      </p:ext>
-    </p:extLst>
-  </p:cSld>
-  <p:clrMapOvr>
-    <a:masterClrMapping/>
-  </p:clrMapOvr>
-</p:sld>
-</file>
-
-<file path=ppt/slides/slide18.xml><?xml version="1.0" encoding="utf-8"?>
-<p:sld xmlns:a="http://schemas.openxmlformats.org/drawingml/2006/main" xmlns:r="http://schemas.openxmlformats.org/officeDocument/2006/relationships" xmlns:p="http://schemas.openxmlformats.org/presentationml/2006/main">
-  <p:cSld>
-    <p:spTree>
-      <p:nvGrpSpPr>
-        <p:cNvPr id="1" name=""/>
-        <p:cNvGrpSpPr/>
-        <p:nvPr/>
-      </p:nvGrpSpPr>
-      <p:grpSpPr>
-        <a:xfrm>
-          <a:off x="0" y="0"/>
-          <a:ext cx="0" cy="0"/>
-          <a:chOff x="0" y="0"/>
-          <a:chExt cx="0" cy="0"/>
-        </a:xfrm>
-      </p:grpSpPr>
-      <p:sp>
-        <p:nvSpPr>
-          <p:cNvPr id="2" name="Title 1"/>
-          <p:cNvSpPr>
-            <a:spLocks noGrp="1"/>
-          </p:cNvSpPr>
-          <p:nvPr>
-            <p:ph type="title"/>
-          </p:nvPr>
-        </p:nvSpPr>
-        <p:spPr/>
-        <p:txBody>
-          <a:bodyPr/>
-          <a:lstStyle/>
-          <a:p>
-            <a:r>
-              <a:rPr lang="en-US" dirty="0"/>
-              <a:t>Patient Dashboard</a:t>
-            </a:r>
-          </a:p>
-        </p:txBody>
-      </p:sp>
-      <p:pic>
-        <p:nvPicPr>
-          <p:cNvPr id="5" name="Content Placeholder 4"/>
-          <p:cNvPicPr>
-            <a:picLocks noGrp="1" noChangeAspect="1"/>
-          </p:cNvPicPr>
-          <p:nvPr>
-            <p:ph idx="1"/>
-          </p:nvPr>
-        </p:nvPicPr>
-        <p:blipFill>
-          <a:blip r:embed="rId2">
-            <a:extLst>
-              <a:ext uri="{28A0092B-C50C-407E-A947-70E740481C1C}">
-                <a14:useLocalDpi xmlns:a14="http://schemas.microsoft.com/office/drawing/2010/main" val="0"/>
-              </a:ext>
-            </a:extLst>
-          </a:blip>
-          <a:stretch>
-            <a:fillRect/>
-          </a:stretch>
-        </p:blipFill>
-        <p:spPr bwMode="auto">
-          <a:xfrm>
-            <a:off x="1451579" y="1967940"/>
-            <a:ext cx="9603275" cy="4048547"/>
-          </a:xfrm>
-          <a:prstGeom prst="rect">
-            <a:avLst/>
-          </a:prstGeom>
-          <a:noFill/>
-          <a:extLst>
-            <a:ext uri="{909E8E84-426E-40DD-AFC4-6F175D3DCCD1}">
-              <a14:hiddenFill xmlns:a14="http://schemas.microsoft.com/office/drawing/2010/main">
-                <a:solidFill>
-                  <a:srgbClr val="FFFFFF"/>
-                </a:solidFill>
-              </a14:hiddenFill>
-            </a:ext>
-          </a:extLst>
-        </p:spPr>
-      </p:pic>
-    </p:spTree>
-    <p:extLst>
-      <p:ext uri="{BB962C8B-B14F-4D97-AF65-F5344CB8AC3E}">
-        <p14:creationId xmlns:p14="http://schemas.microsoft.com/office/powerpoint/2010/main" val="2661753136"/>
-      </p:ext>
-    </p:extLst>
-  </p:cSld>
-  <p:clrMapOvr>
-    <a:masterClrMapping/>
-  </p:clrMapOvr>
-</p:sld>
-</file>
-
-<file path=ppt/slides/slide19.xml><?xml version="1.0" encoding="utf-8"?>
-<p:sld xmlns:a="http://schemas.openxmlformats.org/drawingml/2006/main" xmlns:r="http://schemas.openxmlformats.org/officeDocument/2006/relationships" xmlns:p="http://schemas.openxmlformats.org/presentationml/2006/main">
-  <p:cSld>
-    <p:spTree>
-      <p:nvGrpSpPr>
-        <p:cNvPr id="1" name=""/>
-        <p:cNvGrpSpPr/>
-        <p:nvPr/>
-      </p:nvGrpSpPr>
-      <p:grpSpPr>
-        <a:xfrm>
-          <a:off x="0" y="0"/>
-          <a:ext cx="0" cy="0"/>
-          <a:chOff x="0" y="0"/>
-          <a:chExt cx="0" cy="0"/>
-        </a:xfrm>
-      </p:grpSpPr>
-      <p:sp>
-        <p:nvSpPr>
-          <p:cNvPr id="2" name="Title 1"/>
-          <p:cNvSpPr>
-            <a:spLocks noGrp="1"/>
-          </p:cNvSpPr>
-          <p:nvPr>
-            <p:ph type="title"/>
-          </p:nvPr>
-        </p:nvSpPr>
-        <p:spPr/>
-        <p:txBody>
-          <a:bodyPr/>
-          <a:lstStyle/>
-          <a:p>
-            <a:r>
-              <a:rPr lang="en-US" dirty="0"/>
-              <a:t>Q &amp; A</a:t>
-            </a:r>
-          </a:p>
-        </p:txBody>
-      </p:sp>
-      <p:pic>
-        <p:nvPicPr>
-          <p:cNvPr id="2056" name="Picture 8" descr="Image result for Q&amp;A"/>
-          <p:cNvPicPr>
-            <a:picLocks noChangeAspect="1" noChangeArrowheads="1"/>
-          </p:cNvPicPr>
-          <p:nvPr/>
-        </p:nvPicPr>
-        <p:blipFill>
-          <a:blip r:embed="rId2">
-            <a:extLst>
-              <a:ext uri="{28A0092B-C50C-407E-A947-70E740481C1C}">
-                <a14:useLocalDpi xmlns:a14="http://schemas.microsoft.com/office/drawing/2010/main" val="0"/>
-              </a:ext>
-            </a:extLst>
-          </a:blip>
-          <a:srcRect/>
-          <a:stretch>
-            <a:fillRect/>
-          </a:stretch>
-        </p:blipFill>
-        <p:spPr bwMode="auto">
-          <a:xfrm>
-            <a:off x="2771775" y="2100262"/>
-            <a:ext cx="6648450" cy="3810000"/>
-          </a:xfrm>
-          <a:prstGeom prst="rect">
-            <a:avLst/>
-          </a:prstGeom>
-          <a:noFill/>
-          <a:extLst>
-            <a:ext uri="{909E8E84-426E-40DD-AFC4-6F175D3DCCD1}">
-              <a14:hiddenFill xmlns:a14="http://schemas.microsoft.com/office/drawing/2010/main">
-                <a:solidFill>
-                  <a:srgbClr val="FFFFFF"/>
-                </a:solidFill>
-              </a14:hiddenFill>
-            </a:ext>
-          </a:extLst>
-        </p:spPr>
-      </p:pic>
-    </p:spTree>
-    <p:extLst>
-      <p:ext uri="{BB962C8B-B14F-4D97-AF65-F5344CB8AC3E}">
-        <p14:creationId xmlns:p14="http://schemas.microsoft.com/office/powerpoint/2010/main" val="943263119"/>
-      </p:ext>
-    </p:extLst>
-  </p:cSld>
-  <p:clrMapOvr>
-    <a:masterClrMapping/>
-  </p:clrMapOvr>
-</p:sld>
-</file>
-
-<file path=ppt/slides/slide2.xml><?xml version="1.0" encoding="utf-8"?>
-<p:sld xmlns:a="http://schemas.openxmlformats.org/drawingml/2006/main" xmlns:r="http://schemas.openxmlformats.org/officeDocument/2006/relationships" xmlns:p="http://schemas.openxmlformats.org/presentationml/2006/main">
-  <p:cSld>
-    <p:spTree>
-      <p:nvGrpSpPr>
-        <p:cNvPr id="1" name=""/>
-        <p:cNvGrpSpPr/>
-        <p:nvPr/>
-      </p:nvGrpSpPr>
-      <p:grpSpPr>
-        <a:xfrm>
-          <a:off x="0" y="0"/>
-          <a:ext cx="0" cy="0"/>
-          <a:chOff x="0" y="0"/>
-          <a:chExt cx="0" cy="0"/>
-        </a:xfrm>
-      </p:grpSpPr>
-      <p:sp>
-        <p:nvSpPr>
-          <p:cNvPr id="2" name="Title 1"/>
-          <p:cNvSpPr>
-            <a:spLocks noGrp="1"/>
-          </p:cNvSpPr>
-          <p:nvPr>
-            <p:ph type="title"/>
-          </p:nvPr>
-        </p:nvSpPr>
-        <p:spPr/>
-        <p:txBody>
-          <a:bodyPr/>
-          <a:lstStyle/>
-          <a:p>
-            <a:r>
-              <a:rPr lang="en-US" dirty="0"/>
-              <a:t>Agenda</a:t>
-            </a:r>
-          </a:p>
-        </p:txBody>
-      </p:sp>
-      <p:sp>
-        <p:nvSpPr>
-          <p:cNvPr id="3" name="Content Placeholder 2"/>
-          <p:cNvSpPr>
-            <a:spLocks noGrp="1"/>
-          </p:cNvSpPr>
-          <p:nvPr>
-            <p:ph idx="1"/>
-          </p:nvPr>
-        </p:nvSpPr>
-        <p:spPr/>
-        <p:txBody>
-          <a:bodyPr/>
-          <a:lstStyle/>
-          <a:p>
-            <a:r>
-              <a:rPr lang="en-US" dirty="0"/>
-              <a:t>Project Overview</a:t>
-            </a:r>
-          </a:p>
-          <a:p>
-            <a:r>
-              <a:rPr lang="en-US" dirty="0"/>
-              <a:t>Architectural Design</a:t>
-            </a:r>
-          </a:p>
-          <a:p>
-            <a:r>
-              <a:rPr lang="en-US" dirty="0"/>
-              <a:t>Technology</a:t>
-            </a:r>
-          </a:p>
-          <a:p>
-            <a:r>
-              <a:rPr lang="en-US" dirty="0"/>
-              <a:t>Dashboard Demo</a:t>
-            </a:r>
-          </a:p>
-        </p:txBody>
-      </p:sp>
-    </p:spTree>
-    <p:extLst>
-      <p:ext uri="{BB962C8B-B14F-4D97-AF65-F5344CB8AC3E}">
-        <p14:creationId xmlns:p14="http://schemas.microsoft.com/office/powerpoint/2010/main" val="1181194882"/>
-      </p:ext>
-    </p:extLst>
-  </p:cSld>
-  <p:clrMapOvr>
-    <a:masterClrMapping/>
-  </p:clrMapOvr>
-</p:sld>
-</file>
-
-<file path=ppt/slides/slide3.xml><?xml version="1.0" encoding="utf-8"?>
-<p:sld xmlns:a="http://schemas.openxmlformats.org/drawingml/2006/main" xmlns:r="http://schemas.openxmlformats.org/officeDocument/2006/relationships" xmlns:p="http://schemas.openxmlformats.org/presentationml/2006/main">
-  <p:cSld>
-    <p:spTree>
-      <p:nvGrpSpPr>
-        <p:cNvPr id="1" name=""/>
-        <p:cNvGrpSpPr/>
-        <p:nvPr/>
-      </p:nvGrpSpPr>
-      <p:grpSpPr>
-        <a:xfrm>
-          <a:off x="0" y="0"/>
-          <a:ext cx="0" cy="0"/>
-          <a:chOff x="0" y="0"/>
-          <a:chExt cx="0" cy="0"/>
-        </a:xfrm>
-      </p:grpSpPr>
-      <p:sp>
-        <p:nvSpPr>
-          <p:cNvPr id="2" name="Title 1"/>
-          <p:cNvSpPr>
-            <a:spLocks noGrp="1"/>
-          </p:cNvSpPr>
-          <p:nvPr>
-            <p:ph type="title"/>
-          </p:nvPr>
-        </p:nvSpPr>
-        <p:spPr/>
-        <p:txBody>
-          <a:bodyPr/>
-          <a:lstStyle/>
-          <a:p>
-            <a:r>
-              <a:rPr lang="en-US" dirty="0"/>
-              <a:t>Project Overview</a:t>
-            </a:r>
-          </a:p>
-        </p:txBody>
-      </p:sp>
-      <p:sp>
-        <p:nvSpPr>
-          <p:cNvPr id="3" name="Content Placeholder 2"/>
-          <p:cNvSpPr>
-            <a:spLocks noGrp="1"/>
-          </p:cNvSpPr>
-          <p:nvPr>
-            <p:ph idx="1"/>
-          </p:nvPr>
-        </p:nvSpPr>
-        <p:spPr/>
-        <p:txBody>
-          <a:bodyPr/>
-          <a:lstStyle/>
-          <a:p>
-            <a:r>
-              <a:rPr lang="en-US" dirty="0"/>
-              <a:t>Empowering patients to be independent and allows nurses to monitor patients medication status</a:t>
-            </a:r>
-          </a:p>
-          <a:p>
-            <a:r>
-              <a:rPr lang="en-US" dirty="0"/>
-              <a:t>Leverage automation through patient profiles to remind them to take medication according to the schedule</a:t>
-            </a:r>
-          </a:p>
-          <a:p>
-            <a:r>
-              <a:rPr lang="en-US" dirty="0"/>
-              <a:t>Acknowledgement from either nurses and patients to confirm that the schedule has been followed</a:t>
-            </a:r>
-          </a:p>
-          <a:p>
-            <a:pPr lvl="1"/>
-            <a:r>
-              <a:rPr lang="en-US" dirty="0" err="1"/>
-              <a:t>IoT</a:t>
-            </a:r>
-            <a:r>
-              <a:rPr lang="en-US" dirty="0"/>
-              <a:t> add-on:  medication box can notify the monitoring system</a:t>
-            </a:r>
-          </a:p>
-          <a:p>
-            <a:r>
-              <a:rPr lang="en-US" dirty="0"/>
-              <a:t>Monitoring and notification can be extended to family members</a:t>
-            </a:r>
-          </a:p>
-        </p:txBody>
-      </p:sp>
-    </p:spTree>
-    <p:extLst>
-      <p:ext uri="{BB962C8B-B14F-4D97-AF65-F5344CB8AC3E}">
-        <p14:creationId xmlns:p14="http://schemas.microsoft.com/office/powerpoint/2010/main" val="4072090189"/>
-      </p:ext>
-    </p:extLst>
-  </p:cSld>
-  <p:clrMapOvr>
-    <a:masterClrMapping/>
-  </p:clrMapOvr>
-</p:sld>
-</file>
-
-<file path=ppt/slides/slide4.xml><?xml version="1.0" encoding="utf-8"?>
-<p:sld xmlns:a="http://schemas.openxmlformats.org/drawingml/2006/main" xmlns:r="http://schemas.openxmlformats.org/officeDocument/2006/relationships" xmlns:p="http://schemas.openxmlformats.org/presentationml/2006/main">
-  <p:cSld>
-    <p:spTree>
-      <p:nvGrpSpPr>
-        <p:cNvPr id="1" name=""/>
-        <p:cNvGrpSpPr/>
-        <p:nvPr/>
-      </p:nvGrpSpPr>
-      <p:grpSpPr>
-        <a:xfrm>
-          <a:off x="0" y="0"/>
-          <a:ext cx="0" cy="0"/>
-          <a:chOff x="0" y="0"/>
-          <a:chExt cx="0" cy="0"/>
-        </a:xfrm>
-      </p:grpSpPr>
-      <p:sp>
-        <p:nvSpPr>
-          <p:cNvPr id="2" name="Title 1"/>
-          <p:cNvSpPr>
-            <a:spLocks noGrp="1"/>
-          </p:cNvSpPr>
-          <p:nvPr>
-            <p:ph type="title"/>
-          </p:nvPr>
-        </p:nvSpPr>
-        <p:spPr/>
-        <p:txBody>
-          <a:bodyPr/>
-          <a:lstStyle/>
-          <a:p>
-            <a:r>
-              <a:rPr lang="en-US" dirty="0"/>
-              <a:t>Architectural Design</a:t>
-            </a:r>
-            <a:br>
-              <a:rPr lang="en-US" dirty="0"/>
-            </a:br>
-            <a:r>
-              <a:rPr lang="en-US" dirty="0"/>
-              <a:t>Nurse Use Case</a:t>
-            </a:r>
-          </a:p>
-        </p:txBody>
-      </p:sp>
-      <p:pic>
-        <p:nvPicPr>
-          <p:cNvPr id="5" name="Content Placeholder 4"/>
-          <p:cNvPicPr>
-            <a:picLocks noGrp="1" noChangeAspect="1"/>
-          </p:cNvPicPr>
-          <p:nvPr>
-            <p:ph idx="1"/>
-          </p:nvPr>
-        </p:nvPicPr>
-        <p:blipFill>
-          <a:blip r:embed="rId2"/>
-          <a:stretch>
-            <a:fillRect/>
-          </a:stretch>
-        </p:blipFill>
-        <p:spPr>
-          <a:xfrm>
-            <a:off x="1341783" y="1995488"/>
-            <a:ext cx="8615247" cy="4260330"/>
-          </a:xfrm>
-          <a:prstGeom prst="rect">
-            <a:avLst/>
-          </a:prstGeom>
-        </p:spPr>
-      </p:pic>
-    </p:spTree>
-    <p:extLst>
-      <p:ext uri="{BB962C8B-B14F-4D97-AF65-F5344CB8AC3E}">
-        <p14:creationId xmlns:p14="http://schemas.microsoft.com/office/powerpoint/2010/main" val="2840766443"/>
-      </p:ext>
-    </p:extLst>
-  </p:cSld>
-  <p:clrMapOvr>
-    <a:masterClrMapping/>
-  </p:clrMapOvr>
-</p:sld>
-</file>
-
-<file path=ppt/slides/slide5.xml><?xml version="1.0" encoding="utf-8"?>
-<p:sld xmlns:a="http://schemas.openxmlformats.org/drawingml/2006/main" xmlns:r="http://schemas.openxmlformats.org/officeDocument/2006/relationships" xmlns:p="http://schemas.openxmlformats.org/presentationml/2006/main">
-  <p:cSld>
-    <p:spTree>
-      <p:nvGrpSpPr>
-        <p:cNvPr id="1" name=""/>
-        <p:cNvGrpSpPr/>
-        <p:nvPr/>
-      </p:nvGrpSpPr>
-      <p:grpSpPr>
-        <a:xfrm>
-          <a:off x="0" y="0"/>
-          <a:ext cx="0" cy="0"/>
-          <a:chOff x="0" y="0"/>
-          <a:chExt cx="0" cy="0"/>
-        </a:xfrm>
-      </p:grpSpPr>
-      <p:sp>
-        <p:nvSpPr>
-          <p:cNvPr id="2" name="Title 1"/>
-          <p:cNvSpPr>
-            <a:spLocks noGrp="1"/>
-          </p:cNvSpPr>
-          <p:nvPr>
-            <p:ph type="title"/>
-          </p:nvPr>
-        </p:nvSpPr>
-        <p:spPr/>
-        <p:txBody>
-          <a:bodyPr/>
-          <a:lstStyle/>
-          <a:p>
-            <a:r>
-              <a:rPr lang="en-US" dirty="0"/>
-              <a:t>Architectural Design</a:t>
-            </a:r>
-            <a:br>
-              <a:rPr lang="en-US" dirty="0"/>
-            </a:br>
-            <a:r>
-              <a:rPr lang="en-US" dirty="0"/>
-              <a:t>Patient Use Case</a:t>
-            </a:r>
-          </a:p>
-        </p:txBody>
-      </p:sp>
-      <p:sp>
-        <p:nvSpPr>
-          <p:cNvPr id="3" name="Content Placeholder 2"/>
-          <p:cNvSpPr>
-            <a:spLocks noGrp="1"/>
-          </p:cNvSpPr>
-          <p:nvPr>
-            <p:ph idx="1"/>
-          </p:nvPr>
-        </p:nvSpPr>
-        <p:spPr/>
-        <p:txBody>
-          <a:bodyPr/>
-          <a:lstStyle/>
-          <a:p>
-            <a:endParaRPr lang="en-US"/>
-          </a:p>
-        </p:txBody>
-      </p:sp>
-      <p:pic>
-        <p:nvPicPr>
-          <p:cNvPr id="6" name="Picture 5"/>
-          <p:cNvPicPr>
-            <a:picLocks noChangeAspect="1"/>
-          </p:cNvPicPr>
-          <p:nvPr/>
-        </p:nvPicPr>
-        <p:blipFill>
-          <a:blip r:embed="rId2"/>
-          <a:stretch>
-            <a:fillRect/>
-          </a:stretch>
-        </p:blipFill>
-        <p:spPr>
-          <a:xfrm>
-            <a:off x="838200" y="1960563"/>
-            <a:ext cx="9870806" cy="4351337"/>
-          </a:xfrm>
-          <a:prstGeom prst="rect">
-            <a:avLst/>
-          </a:prstGeom>
-        </p:spPr>
-      </p:pic>
-    </p:spTree>
-    <p:extLst>
-      <p:ext uri="{BB962C8B-B14F-4D97-AF65-F5344CB8AC3E}">
-        <p14:creationId xmlns:p14="http://schemas.microsoft.com/office/powerpoint/2010/main" val="357063345"/>
-      </p:ext>
-    </p:extLst>
-  </p:cSld>
-  <p:clrMapOvr>
-    <a:masterClrMapping/>
-  </p:clrMapOvr>
-</p:sld>
-</file>
-
-<file path=ppt/slides/slide6.xml><?xml version="1.0" encoding="utf-8"?>
-<p:sld xmlns:a="http://schemas.openxmlformats.org/drawingml/2006/main" xmlns:r="http://schemas.openxmlformats.org/officeDocument/2006/relationships" xmlns:p="http://schemas.openxmlformats.org/presentationml/2006/main">
-  <p:cSld>
-    <p:spTree>
-      <p:nvGrpSpPr>
-        <p:cNvPr id="1" name=""/>
-        <p:cNvGrpSpPr/>
-        <p:nvPr/>
-      </p:nvGrpSpPr>
-      <p:grpSpPr>
-        <a:xfrm>
-          <a:off x="0" y="0"/>
-          <a:ext cx="0" cy="0"/>
-          <a:chOff x="0" y="0"/>
-          <a:chExt cx="0" cy="0"/>
-        </a:xfrm>
-      </p:grpSpPr>
-      <p:sp>
-        <p:nvSpPr>
-          <p:cNvPr id="2" name="Title 1"/>
-          <p:cNvSpPr>
-            <a:spLocks noGrp="1"/>
-          </p:cNvSpPr>
-          <p:nvPr>
-            <p:ph type="title"/>
-          </p:nvPr>
-        </p:nvSpPr>
-        <p:spPr/>
-        <p:txBody>
-          <a:bodyPr/>
-          <a:lstStyle/>
-          <a:p>
-            <a:r>
-              <a:rPr lang="en-US" dirty="0"/>
-              <a:t>Architectural Design</a:t>
-            </a:r>
-            <a:br>
-              <a:rPr lang="en-US" dirty="0"/>
-            </a:br>
-            <a:r>
-              <a:rPr lang="en-US" dirty="0"/>
-              <a:t>Subscriber (family members) Use Case</a:t>
-            </a:r>
-          </a:p>
-        </p:txBody>
-      </p:sp>
-      <p:pic>
-        <p:nvPicPr>
-          <p:cNvPr id="4" name="Content Placeholder 3"/>
-          <p:cNvPicPr>
-            <a:picLocks noGrp="1" noChangeAspect="1"/>
-          </p:cNvPicPr>
-          <p:nvPr>
-            <p:ph idx="1"/>
-          </p:nvPr>
-        </p:nvPicPr>
-        <p:blipFill>
-          <a:blip r:embed="rId2"/>
-          <a:stretch>
-            <a:fillRect/>
-          </a:stretch>
-        </p:blipFill>
-        <p:spPr>
-          <a:xfrm>
-            <a:off x="819262" y="1853754"/>
-            <a:ext cx="10235592" cy="4500088"/>
-          </a:xfrm>
-          <a:prstGeom prst="rect">
-            <a:avLst/>
-          </a:prstGeom>
-        </p:spPr>
-      </p:pic>
-    </p:spTree>
-    <p:extLst>
-      <p:ext uri="{BB962C8B-B14F-4D97-AF65-F5344CB8AC3E}">
-        <p14:creationId xmlns:p14="http://schemas.microsoft.com/office/powerpoint/2010/main" val="1909596739"/>
-      </p:ext>
-    </p:extLst>
-  </p:cSld>
-  <p:clrMapOvr>
-    <a:masterClrMapping/>
-  </p:clrMapOvr>
-</p:sld>
-</file>
-
-<file path=ppt/slides/slide7.xml><?xml version="1.0" encoding="utf-8"?>
-<p:sld xmlns:a="http://schemas.openxmlformats.org/drawingml/2006/main" xmlns:r="http://schemas.openxmlformats.org/officeDocument/2006/relationships" xmlns:p="http://schemas.openxmlformats.org/presentationml/2006/main">
-  <p:cSld>
-    <p:spTree>
-      <p:nvGrpSpPr>
-        <p:cNvPr id="1" name=""/>
-        <p:cNvGrpSpPr/>
-        <p:nvPr/>
-      </p:nvGrpSpPr>
-      <p:grpSpPr>
-        <a:xfrm>
-          <a:off x="0" y="0"/>
-          <a:ext cx="0" cy="0"/>
-          <a:chOff x="0" y="0"/>
-          <a:chExt cx="0" cy="0"/>
-        </a:xfrm>
-      </p:grpSpPr>
-      <p:sp>
-        <p:nvSpPr>
-          <p:cNvPr id="2" name="Title 1"/>
-          <p:cNvSpPr>
-            <a:spLocks noGrp="1"/>
-          </p:cNvSpPr>
-          <p:nvPr>
-            <p:ph type="title" idx="4294967295"/>
-          </p:nvPr>
-        </p:nvSpPr>
-        <p:spPr>
-          <a:xfrm>
-            <a:off x="2587625" y="804863"/>
-            <a:ext cx="9604375" cy="1049337"/>
-          </a:xfrm>
-        </p:spPr>
-        <p:txBody>
-          <a:bodyPr/>
-          <a:lstStyle/>
-          <a:p>
-            <a:r>
-              <a:rPr lang="en-US" dirty="0"/>
-              <a:t>Data Model</a:t>
-            </a:r>
-          </a:p>
-        </p:txBody>
-      </p:sp>
-      <p:pic>
-        <p:nvPicPr>
-          <p:cNvPr id="4" name="Content Placeholder 3"/>
-          <p:cNvPicPr>
-            <a:picLocks noGrp="1" noChangeAspect="1"/>
-          </p:cNvPicPr>
-          <p:nvPr>
-            <p:ph idx="4294967295"/>
-          </p:nvPr>
-        </p:nvPicPr>
-        <p:blipFill>
-          <a:blip r:embed="rId2"/>
-          <a:stretch>
-            <a:fillRect/>
-          </a:stretch>
-        </p:blipFill>
-        <p:spPr>
-          <a:xfrm>
-            <a:off x="344557" y="1329531"/>
-            <a:ext cx="11489633" cy="4797425"/>
-          </a:xfrm>
-          <a:prstGeom prst="rect">
-            <a:avLst/>
-          </a:prstGeom>
-        </p:spPr>
-      </p:pic>
-    </p:spTree>
-    <p:extLst>
-      <p:ext uri="{BB962C8B-B14F-4D97-AF65-F5344CB8AC3E}">
-        <p14:creationId xmlns:p14="http://schemas.microsoft.com/office/powerpoint/2010/main" val="3923119100"/>
-      </p:ext>
-    </p:extLst>
-  </p:cSld>
-  <p:clrMapOvr>
-    <a:masterClrMapping/>
-  </p:clrMapOvr>
-</p:sld>
-</file>
-
-<file path=ppt/slides/slide8.xml><?xml version="1.0" encoding="utf-8"?>
-<p:sld xmlns:a="http://schemas.openxmlformats.org/drawingml/2006/main" xmlns:r="http://schemas.openxmlformats.org/officeDocument/2006/relationships" xmlns:p="http://schemas.openxmlformats.org/presentationml/2006/main">
-  <p:cSld>
-    <p:spTree>
-      <p:nvGrpSpPr>
-        <p:cNvPr id="1" name=""/>
-        <p:cNvGrpSpPr/>
-        <p:nvPr/>
-      </p:nvGrpSpPr>
-      <p:grpSpPr>
-        <a:xfrm>
-          <a:off x="0" y="0"/>
-          <a:ext cx="0" cy="0"/>
-          <a:chOff x="0" y="0"/>
-          <a:chExt cx="0" cy="0"/>
-        </a:xfrm>
-      </p:grpSpPr>
-      <p:pic>
-        <p:nvPicPr>
-          <p:cNvPr id="10" name="Picture 9"/>
-          <p:cNvPicPr>
-            <a:picLocks noChangeAspect="1"/>
-          </p:cNvPicPr>
-          <p:nvPr/>
-        </p:nvPicPr>
-        <p:blipFill>
-          <a:blip r:embed="rId2"/>
-          <a:stretch>
-            <a:fillRect/>
-          </a:stretch>
-        </p:blipFill>
-        <p:spPr>
-          <a:xfrm>
-            <a:off x="0" y="0"/>
-            <a:ext cx="12192000" cy="6858000"/>
-          </a:xfrm>
-          <a:prstGeom prst="rect">
-            <a:avLst/>
-          </a:prstGeom>
-        </p:spPr>
-      </p:pic>
-    </p:spTree>
-    <p:extLst>
-      <p:ext uri="{BB962C8B-B14F-4D97-AF65-F5344CB8AC3E}">
-        <p14:creationId xmlns:p14="http://schemas.microsoft.com/office/powerpoint/2010/main" val="3659277977"/>
-      </p:ext>
-    </p:extLst>
-  </p:cSld>
-  <p:clrMapOvr>
-    <a:masterClrMapping/>
-  </p:clrMapOvr>
-</p:sld>
-</file>
-
-<file path=ppt/slides/slide9.xml><?xml version="1.0" encoding="utf-8"?>
-<p:sld xmlns:a="http://schemas.openxmlformats.org/drawingml/2006/main" xmlns:r="http://schemas.openxmlformats.org/officeDocument/2006/relationships" xmlns:p="http://schemas.openxmlformats.org/presentationml/2006/main">
-  <p:cSld>
-    <p:spTree>
-      <p:nvGrpSpPr>
-        <p:cNvPr id="1" name=""/>
-        <p:cNvGrpSpPr/>
-        <p:nvPr/>
-      </p:nvGrpSpPr>
-      <p:grpSpPr>
-        <a:xfrm>
-          <a:off x="0" y="0"/>
-          <a:ext cx="0" cy="0"/>
-          <a:chOff x="0" y="0"/>
-          <a:chExt cx="0" cy="0"/>
-        </a:xfrm>
-      </p:grpSpPr>
-      <p:pic>
-        <p:nvPicPr>
-          <p:cNvPr id="2" name="Picture 1"/>
-          <p:cNvPicPr>
-            <a:picLocks noChangeAspect="1"/>
-          </p:cNvPicPr>
-          <p:nvPr/>
-        </p:nvPicPr>
-        <p:blipFill>
-          <a:blip r:embed="rId2"/>
-          <a:stretch>
-            <a:fillRect/>
-          </a:stretch>
-        </p:blipFill>
-        <p:spPr>
-          <a:xfrm>
-            <a:off x="0" y="1"/>
-            <a:ext cx="12192000" cy="6858000"/>
-          </a:xfrm>
-          <a:prstGeom prst="rect">
-            <a:avLst/>
-          </a:prstGeom>
-        </p:spPr>
-      </p:pic>
-    </p:spTree>
-    <p:extLst>
-      <p:ext uri="{BB962C8B-B14F-4D97-AF65-F5344CB8AC3E}">
-        <p14:creationId xmlns:p14="http://schemas.microsoft.com/office/powerpoint/2010/main" val="3502743659"/>
       </p:ext>
     </p:extLst>
   </p:cSld>
